--- a/decks/kbse202103/figs.pptx
+++ b/decks/kbse202103/figs.pptx
@@ -7,6 +7,9 @@
   <p:sldIdLst>
     <p:sldId id="256" r:id="rId2"/>
     <p:sldId id="257" r:id="rId3"/>
+    <p:sldId id="258" r:id="rId4"/>
+    <p:sldId id="259" r:id="rId5"/>
+    <p:sldId id="260" r:id="rId6"/>
   </p:sldIdLst>
   <p:sldSz cx="12192000" cy="6858000"/>
   <p:notesSz cx="6858000" cy="9144000"/>
@@ -105,6 +108,11 @@
       </a:defRPr>
     </a:lvl9pPr>
   </p:defaultTextStyle>
+  <p:extLst>
+    <p:ext uri="{EFAFB233-063F-42B5-8137-9DF3F51BA10A}">
+      <p15:sldGuideLst xmlns:p15="http://schemas.microsoft.com/office/powerpoint/2012/main"/>
+    </p:ext>
+  </p:extLst>
 </p:presentation>
 </file>
 
@@ -239,7 +247,7 @@
           <a:p>
             <a:fld id="{C3963A7A-8922-4A02-B676-9B9F00E10CC1}" type="datetimeFigureOut">
               <a:rPr kumimoji="1" lang="ja-JP" altLang="en-US" smtClean="0"/>
-              <a:t>2021/3/1</a:t>
+              <a:t>2021/3/5</a:t>
             </a:fld>
             <a:endParaRPr kumimoji="1" lang="ja-JP" altLang="en-US"/>
           </a:p>
@@ -441,7 +449,7 @@
           <a:p>
             <a:fld id="{C3963A7A-8922-4A02-B676-9B9F00E10CC1}" type="datetimeFigureOut">
               <a:rPr kumimoji="1" lang="ja-JP" altLang="en-US" smtClean="0"/>
-              <a:t>2021/3/1</a:t>
+              <a:t>2021/3/5</a:t>
             </a:fld>
             <a:endParaRPr kumimoji="1" lang="ja-JP" altLang="en-US"/>
           </a:p>
@@ -653,7 +661,7 @@
           <a:p>
             <a:fld id="{C3963A7A-8922-4A02-B676-9B9F00E10CC1}" type="datetimeFigureOut">
               <a:rPr kumimoji="1" lang="ja-JP" altLang="en-US" smtClean="0"/>
-              <a:t>2021/3/1</a:t>
+              <a:t>2021/3/5</a:t>
             </a:fld>
             <a:endParaRPr kumimoji="1" lang="ja-JP" altLang="en-US"/>
           </a:p>
@@ -855,7 +863,7 @@
           <a:p>
             <a:fld id="{C3963A7A-8922-4A02-B676-9B9F00E10CC1}" type="datetimeFigureOut">
               <a:rPr kumimoji="1" lang="ja-JP" altLang="en-US" smtClean="0"/>
-              <a:t>2021/3/1</a:t>
+              <a:t>2021/3/5</a:t>
             </a:fld>
             <a:endParaRPr kumimoji="1" lang="ja-JP" altLang="en-US"/>
           </a:p>
@@ -1101,7 +1109,7 @@
           <a:p>
             <a:fld id="{C3963A7A-8922-4A02-B676-9B9F00E10CC1}" type="datetimeFigureOut">
               <a:rPr kumimoji="1" lang="ja-JP" altLang="en-US" smtClean="0"/>
-              <a:t>2021/3/1</a:t>
+              <a:t>2021/3/5</a:t>
             </a:fld>
             <a:endParaRPr kumimoji="1" lang="ja-JP" altLang="en-US"/>
           </a:p>
@@ -1397,7 +1405,7 @@
           <a:p>
             <a:fld id="{C3963A7A-8922-4A02-B676-9B9F00E10CC1}" type="datetimeFigureOut">
               <a:rPr kumimoji="1" lang="ja-JP" altLang="en-US" smtClean="0"/>
-              <a:t>2021/3/1</a:t>
+              <a:t>2021/3/5</a:t>
             </a:fld>
             <a:endParaRPr kumimoji="1" lang="ja-JP" altLang="en-US"/>
           </a:p>
@@ -1828,7 +1836,7 @@
           <a:p>
             <a:fld id="{C3963A7A-8922-4A02-B676-9B9F00E10CC1}" type="datetimeFigureOut">
               <a:rPr kumimoji="1" lang="ja-JP" altLang="en-US" smtClean="0"/>
-              <a:t>2021/3/1</a:t>
+              <a:t>2021/3/5</a:t>
             </a:fld>
             <a:endParaRPr kumimoji="1" lang="ja-JP" altLang="en-US"/>
           </a:p>
@@ -1946,7 +1954,7 @@
           <a:p>
             <a:fld id="{C3963A7A-8922-4A02-B676-9B9F00E10CC1}" type="datetimeFigureOut">
               <a:rPr kumimoji="1" lang="ja-JP" altLang="en-US" smtClean="0"/>
-              <a:t>2021/3/1</a:t>
+              <a:t>2021/3/5</a:t>
             </a:fld>
             <a:endParaRPr kumimoji="1" lang="ja-JP" altLang="en-US"/>
           </a:p>
@@ -2041,7 +2049,7 @@
           <a:p>
             <a:fld id="{C3963A7A-8922-4A02-B676-9B9F00E10CC1}" type="datetimeFigureOut">
               <a:rPr kumimoji="1" lang="ja-JP" altLang="en-US" smtClean="0"/>
-              <a:t>2021/3/1</a:t>
+              <a:t>2021/3/5</a:t>
             </a:fld>
             <a:endParaRPr kumimoji="1" lang="ja-JP" altLang="en-US"/>
           </a:p>
@@ -2350,7 +2358,7 @@
           <a:p>
             <a:fld id="{C3963A7A-8922-4A02-B676-9B9F00E10CC1}" type="datetimeFigureOut">
               <a:rPr kumimoji="1" lang="ja-JP" altLang="en-US" smtClean="0"/>
-              <a:t>2021/3/1</a:t>
+              <a:t>2021/3/5</a:t>
             </a:fld>
             <a:endParaRPr kumimoji="1" lang="ja-JP" altLang="en-US"/>
           </a:p>
@@ -2603,7 +2611,7 @@
           <a:p>
             <a:fld id="{C3963A7A-8922-4A02-B676-9B9F00E10CC1}" type="datetimeFigureOut">
               <a:rPr kumimoji="1" lang="ja-JP" altLang="en-US" smtClean="0"/>
-              <a:t>2021/3/1</a:t>
+              <a:t>2021/3/5</a:t>
             </a:fld>
             <a:endParaRPr kumimoji="1" lang="ja-JP" altLang="en-US"/>
           </a:p>
@@ -2848,7 +2856,7 @@
           <a:p>
             <a:fld id="{C3963A7A-8922-4A02-B676-9B9F00E10CC1}" type="datetimeFigureOut">
               <a:rPr kumimoji="1" lang="ja-JP" altLang="en-US" smtClean="0"/>
-              <a:t>2021/3/1</a:t>
+              <a:t>2021/3/5</a:t>
             </a:fld>
             <a:endParaRPr kumimoji="1" lang="ja-JP" altLang="en-US"/>
           </a:p>
@@ -3268,7 +3276,7 @@
           <a:bodyPr/>
           <a:lstStyle/>
           <a:p>
-            <a:endParaRPr kumimoji="1" lang="ja-JP" altLang="en-US"/>
+            <a:endParaRPr kumimoji="1" lang="ja-JP" altLang="en-US" dirty="0"/>
           </a:p>
         </p:txBody>
       </p:sp>
@@ -3639,6 +3647,1986 @@
     <p:extLst>
       <p:ext uri="{BB962C8B-B14F-4D97-AF65-F5344CB8AC3E}">
         <p14:creationId xmlns:p14="http://schemas.microsoft.com/office/powerpoint/2010/main" val="3841119617"/>
+      </p:ext>
+    </p:extLst>
+  </p:cSld>
+  <p:clrMapOvr>
+    <a:masterClrMapping/>
+  </p:clrMapOvr>
+  <p:timing>
+    <p:tnLst>
+      <p:par>
+        <p:cTn id="1" dur="indefinite" restart="never" nodeType="tmRoot"/>
+      </p:par>
+    </p:tnLst>
+  </p:timing>
+</p:sld>
+</file>
+
+<file path=ppt/slides/slide3.xml><?xml version="1.0" encoding="utf-8"?>
+<p:sld xmlns:a="http://schemas.openxmlformats.org/drawingml/2006/main" xmlns:r="http://schemas.openxmlformats.org/officeDocument/2006/relationships" xmlns:p="http://schemas.openxmlformats.org/presentationml/2006/main">
+  <p:cSld>
+    <p:spTree>
+      <p:nvGrpSpPr>
+        <p:cNvPr id="1" name=""/>
+        <p:cNvGrpSpPr/>
+        <p:nvPr/>
+      </p:nvGrpSpPr>
+      <p:grpSpPr>
+        <a:xfrm>
+          <a:off x="0" y="0"/>
+          <a:ext cx="0" cy="0"/>
+          <a:chOff x="0" y="0"/>
+          <a:chExt cx="0" cy="0"/>
+        </a:xfrm>
+      </p:grpSpPr>
+      <p:pic>
+        <p:nvPicPr>
+          <p:cNvPr id="4" name="図 3"/>
+          <p:cNvPicPr>
+            <a:picLocks noChangeAspect="1"/>
+          </p:cNvPicPr>
+          <p:nvPr/>
+        </p:nvPicPr>
+        <p:blipFill>
+          <a:blip r:embed="rId2"/>
+          <a:stretch>
+            <a:fillRect/>
+          </a:stretch>
+        </p:blipFill>
+        <p:spPr>
+          <a:xfrm>
+            <a:off x="1261686" y="260862"/>
+            <a:ext cx="5289443" cy="6189336"/>
+          </a:xfrm>
+          <a:prstGeom prst="rect">
+            <a:avLst/>
+          </a:prstGeom>
+        </p:spPr>
+      </p:pic>
+      <p:sp>
+        <p:nvSpPr>
+          <p:cNvPr id="7" name="テキスト ボックス 6"/>
+          <p:cNvSpPr txBox="1"/>
+          <p:nvPr/>
+        </p:nvSpPr>
+        <p:spPr>
+          <a:xfrm>
+            <a:off x="456687" y="354992"/>
+            <a:ext cx="783772" cy="6145272"/>
+          </a:xfrm>
+          <a:prstGeom prst="rect">
+            <a:avLst/>
+          </a:prstGeom>
+          <a:noFill/>
+        </p:spPr>
+        <p:txBody>
+          <a:bodyPr wrap="square" lIns="0" tIns="0" rIns="0" bIns="0" rtlCol="0">
+            <a:spAutoFit/>
+          </a:bodyPr>
+          <a:lstStyle/>
+          <a:p>
+            <a:pPr algn="ctr">
+              <a:spcAft>
+                <a:spcPts val="700"/>
+              </a:spcAft>
+            </a:pPr>
+            <a:r>
+              <a:rPr kumimoji="1" lang="en-US" altLang="ja-JP" b="1" dirty="0" smtClean="0">
+                <a:solidFill>
+                  <a:srgbClr val="FF0000"/>
+                </a:solidFill>
+              </a:rPr>
+              <a:t>(1)</a:t>
+            </a:r>
+          </a:p>
+          <a:p>
+            <a:pPr algn="ctr">
+              <a:spcAft>
+                <a:spcPts val="700"/>
+              </a:spcAft>
+            </a:pPr>
+            <a:r>
+              <a:rPr lang="en-US" altLang="ja-JP" b="1" dirty="0" smtClean="0">
+                <a:solidFill>
+                  <a:srgbClr val="FF0000"/>
+                </a:solidFill>
+              </a:rPr>
+              <a:t>(2)</a:t>
+            </a:r>
+          </a:p>
+          <a:p>
+            <a:pPr algn="ctr">
+              <a:spcAft>
+                <a:spcPts val="700"/>
+              </a:spcAft>
+            </a:pPr>
+            <a:r>
+              <a:rPr kumimoji="1" lang="en-US" altLang="ja-JP" b="1" dirty="0" smtClean="0">
+                <a:solidFill>
+                  <a:srgbClr val="FF0000"/>
+                </a:solidFill>
+              </a:rPr>
+              <a:t>(3)</a:t>
+            </a:r>
+          </a:p>
+          <a:p>
+            <a:pPr algn="ctr">
+              <a:spcAft>
+                <a:spcPts val="700"/>
+              </a:spcAft>
+            </a:pPr>
+            <a:r>
+              <a:rPr kumimoji="1" lang="en-US" altLang="ja-JP" b="1" dirty="0" smtClean="0">
+                <a:solidFill>
+                  <a:srgbClr val="FF0000"/>
+                </a:solidFill>
+              </a:rPr>
+              <a:t>(17)</a:t>
+            </a:r>
+          </a:p>
+          <a:p>
+            <a:pPr algn="ctr">
+              <a:spcAft>
+                <a:spcPts val="700"/>
+              </a:spcAft>
+            </a:pPr>
+            <a:r>
+              <a:rPr lang="en-US" altLang="ja-JP" b="1" dirty="0" smtClean="0">
+                <a:solidFill>
+                  <a:srgbClr val="FF0000"/>
+                </a:solidFill>
+              </a:rPr>
+              <a:t>(4)</a:t>
+            </a:r>
+          </a:p>
+          <a:p>
+            <a:pPr algn="ctr">
+              <a:spcAft>
+                <a:spcPts val="700"/>
+              </a:spcAft>
+            </a:pPr>
+            <a:r>
+              <a:rPr kumimoji="1" lang="en-US" altLang="ja-JP" b="1" dirty="0" smtClean="0">
+                <a:solidFill>
+                  <a:srgbClr val="FF0000"/>
+                </a:solidFill>
+              </a:rPr>
+              <a:t>(17)</a:t>
+            </a:r>
+          </a:p>
+          <a:p>
+            <a:pPr algn="ctr">
+              <a:spcAft>
+                <a:spcPts val="700"/>
+              </a:spcAft>
+            </a:pPr>
+            <a:r>
+              <a:rPr lang="en-US" altLang="ja-JP" b="1" dirty="0" smtClean="0">
+                <a:solidFill>
+                  <a:srgbClr val="FF0000"/>
+                </a:solidFill>
+              </a:rPr>
+              <a:t>(15)</a:t>
+            </a:r>
+          </a:p>
+          <a:p>
+            <a:pPr algn="ctr">
+              <a:spcAft>
+                <a:spcPts val="700"/>
+              </a:spcAft>
+            </a:pPr>
+            <a:r>
+              <a:rPr kumimoji="1" lang="en-US" altLang="ja-JP" b="1" dirty="0" smtClean="0">
+                <a:solidFill>
+                  <a:srgbClr val="FF0000"/>
+                </a:solidFill>
+              </a:rPr>
+              <a:t>(13)</a:t>
+            </a:r>
+          </a:p>
+          <a:p>
+            <a:pPr algn="ctr">
+              <a:spcAft>
+                <a:spcPts val="700"/>
+              </a:spcAft>
+            </a:pPr>
+            <a:r>
+              <a:rPr lang="en-US" altLang="ja-JP" b="1" dirty="0" smtClean="0">
+                <a:solidFill>
+                  <a:srgbClr val="FF0000"/>
+                </a:solidFill>
+              </a:rPr>
+              <a:t>(9)</a:t>
+            </a:r>
+          </a:p>
+          <a:p>
+            <a:pPr algn="ctr">
+              <a:spcAft>
+                <a:spcPts val="700"/>
+              </a:spcAft>
+            </a:pPr>
+            <a:r>
+              <a:rPr kumimoji="1" lang="en-US" altLang="ja-JP" b="1" dirty="0" smtClean="0">
+                <a:solidFill>
+                  <a:srgbClr val="FF0000"/>
+                </a:solidFill>
+              </a:rPr>
+              <a:t>(7)</a:t>
+            </a:r>
+          </a:p>
+          <a:p>
+            <a:pPr algn="ctr">
+              <a:spcAft>
+                <a:spcPts val="700"/>
+              </a:spcAft>
+            </a:pPr>
+            <a:r>
+              <a:rPr lang="en-US" altLang="ja-JP" b="1" dirty="0" smtClean="0">
+                <a:solidFill>
+                  <a:srgbClr val="FF0000"/>
+                </a:solidFill>
+              </a:rPr>
+              <a:t>(11)</a:t>
+            </a:r>
+          </a:p>
+          <a:p>
+            <a:pPr algn="ctr">
+              <a:spcAft>
+                <a:spcPts val="700"/>
+              </a:spcAft>
+            </a:pPr>
+            <a:r>
+              <a:rPr kumimoji="1" lang="en-US" altLang="ja-JP" b="1" dirty="0" smtClean="0">
+                <a:solidFill>
+                  <a:srgbClr val="FF0000"/>
+                </a:solidFill>
+              </a:rPr>
+              <a:t>(18)</a:t>
+            </a:r>
+          </a:p>
+          <a:p>
+            <a:pPr algn="ctr">
+              <a:spcAft>
+                <a:spcPts val="700"/>
+              </a:spcAft>
+            </a:pPr>
+            <a:r>
+              <a:rPr lang="en-US" altLang="ja-JP" b="1" dirty="0" smtClean="0">
+                <a:solidFill>
+                  <a:srgbClr val="FF0000"/>
+                </a:solidFill>
+              </a:rPr>
+              <a:t>(18)</a:t>
+            </a:r>
+          </a:p>
+          <a:p>
+            <a:pPr algn="ctr">
+              <a:spcAft>
+                <a:spcPts val="700"/>
+              </a:spcAft>
+            </a:pPr>
+            <a:r>
+              <a:rPr kumimoji="1" lang="en-US" altLang="ja-JP" b="1" dirty="0" smtClean="0">
+                <a:solidFill>
+                  <a:srgbClr val="FF0000"/>
+                </a:solidFill>
+              </a:rPr>
+              <a:t>(6)</a:t>
+            </a:r>
+          </a:p>
+          <a:p>
+            <a:pPr algn="ctr">
+              <a:spcAft>
+                <a:spcPts val="700"/>
+              </a:spcAft>
+            </a:pPr>
+            <a:r>
+              <a:rPr lang="en-US" altLang="ja-JP" b="1" dirty="0" smtClean="0">
+                <a:solidFill>
+                  <a:srgbClr val="FF0000"/>
+                </a:solidFill>
+              </a:rPr>
+              <a:t>(18)</a:t>
+            </a:r>
+          </a:p>
+          <a:p>
+            <a:pPr algn="ctr">
+              <a:spcAft>
+                <a:spcPts val="700"/>
+              </a:spcAft>
+            </a:pPr>
+            <a:r>
+              <a:rPr kumimoji="1" lang="en-US" altLang="ja-JP" b="1" dirty="0" smtClean="0">
+                <a:solidFill>
+                  <a:srgbClr val="FF0000"/>
+                </a:solidFill>
+              </a:rPr>
+              <a:t>(5)</a:t>
+            </a:r>
+          </a:p>
+          <a:p>
+            <a:pPr algn="ctr">
+              <a:spcAft>
+                <a:spcPts val="700"/>
+              </a:spcAft>
+            </a:pPr>
+            <a:r>
+              <a:rPr lang="en-US" altLang="ja-JP" b="1" dirty="0" smtClean="0">
+                <a:solidFill>
+                  <a:srgbClr val="FF0000"/>
+                </a:solidFill>
+              </a:rPr>
+              <a:t>(18)</a:t>
+            </a:r>
+            <a:endParaRPr kumimoji="1" lang="ja-JP" altLang="en-US" b="1" dirty="0">
+              <a:solidFill>
+                <a:srgbClr val="FF0000"/>
+              </a:solidFill>
+            </a:endParaRPr>
+          </a:p>
+        </p:txBody>
+      </p:sp>
+    </p:spTree>
+    <p:extLst>
+      <p:ext uri="{BB962C8B-B14F-4D97-AF65-F5344CB8AC3E}">
+        <p14:creationId xmlns:p14="http://schemas.microsoft.com/office/powerpoint/2010/main" val="3609946042"/>
+      </p:ext>
+    </p:extLst>
+  </p:cSld>
+  <p:clrMapOvr>
+    <a:masterClrMapping/>
+  </p:clrMapOvr>
+  <p:timing>
+    <p:tnLst>
+      <p:par>
+        <p:cTn id="1" dur="indefinite" restart="never" nodeType="tmRoot"/>
+      </p:par>
+    </p:tnLst>
+  </p:timing>
+</p:sld>
+</file>
+
+<file path=ppt/slides/slide4.xml><?xml version="1.0" encoding="utf-8"?>
+<p:sld xmlns:a="http://schemas.openxmlformats.org/drawingml/2006/main" xmlns:r="http://schemas.openxmlformats.org/officeDocument/2006/relationships" xmlns:p="http://schemas.openxmlformats.org/presentationml/2006/main">
+  <p:cSld>
+    <p:spTree>
+      <p:nvGrpSpPr>
+        <p:cNvPr id="1" name=""/>
+        <p:cNvGrpSpPr/>
+        <p:nvPr/>
+      </p:nvGrpSpPr>
+      <p:grpSpPr>
+        <a:xfrm>
+          <a:off x="0" y="0"/>
+          <a:ext cx="0" cy="0"/>
+          <a:chOff x="0" y="0"/>
+          <a:chExt cx="0" cy="0"/>
+        </a:xfrm>
+      </p:grpSpPr>
+      <p:sp>
+        <p:nvSpPr>
+          <p:cNvPr id="2" name="テキスト ボックス 1"/>
+          <p:cNvSpPr txBox="1"/>
+          <p:nvPr/>
+        </p:nvSpPr>
+        <p:spPr>
+          <a:xfrm>
+            <a:off x="1240459" y="308825"/>
+            <a:ext cx="4869396" cy="5324535"/>
+          </a:xfrm>
+          <a:prstGeom prst="rect">
+            <a:avLst/>
+          </a:prstGeom>
+          <a:noFill/>
+        </p:spPr>
+        <p:txBody>
+          <a:bodyPr wrap="square" rtlCol="0">
+            <a:spAutoFit/>
+          </a:bodyPr>
+          <a:lstStyle/>
+          <a:p>
+            <a:r>
+              <a:rPr lang="en-US" altLang="ja-JP" sz="2000" dirty="0" err="1">
+                <a:latin typeface="Myrica M" panose="020B0509020203020207" pitchFamily="49" charset="-128"/>
+                <a:ea typeface="Myrica M" panose="020B0509020203020207" pitchFamily="49" charset="-128"/>
+                <a:cs typeface="Myrica M" panose="020B0509020203020207" pitchFamily="49" charset="-128"/>
+              </a:rPr>
+              <a:t>var</a:t>
+            </a:r>
+            <a:r>
+              <a:rPr lang="en-US" altLang="ja-JP" sz="2000" dirty="0">
+                <a:latin typeface="Myrica M" panose="020B0509020203020207" pitchFamily="49" charset="-128"/>
+                <a:ea typeface="Myrica M" panose="020B0509020203020207" pitchFamily="49" charset="-128"/>
+                <a:cs typeface="Myrica M" panose="020B0509020203020207" pitchFamily="49" charset="-128"/>
+              </a:rPr>
+              <a:t> </a:t>
+            </a:r>
+            <a:r>
+              <a:rPr lang="en-US" altLang="ja-JP" sz="2000" dirty="0" err="1">
+                <a:latin typeface="Myrica M" panose="020B0509020203020207" pitchFamily="49" charset="-128"/>
+                <a:ea typeface="Myrica M" panose="020B0509020203020207" pitchFamily="49" charset="-128"/>
+                <a:cs typeface="Myrica M" panose="020B0509020203020207" pitchFamily="49" charset="-128"/>
+              </a:rPr>
+              <a:t>i</a:t>
+            </a:r>
+            <a:r>
+              <a:rPr lang="en-US" altLang="ja-JP" sz="2000" dirty="0">
+                <a:latin typeface="Myrica M" panose="020B0509020203020207" pitchFamily="49" charset="-128"/>
+                <a:ea typeface="Myrica M" panose="020B0509020203020207" pitchFamily="49" charset="-128"/>
+                <a:cs typeface="Myrica M" panose="020B0509020203020207" pitchFamily="49" charset="-128"/>
+              </a:rPr>
+              <a:t>, j, </a:t>
+            </a:r>
+            <a:r>
+              <a:rPr lang="en-US" altLang="ja-JP" sz="2000" dirty="0" err="1">
+                <a:latin typeface="Myrica M" panose="020B0509020203020207" pitchFamily="49" charset="-128"/>
+                <a:ea typeface="Myrica M" panose="020B0509020203020207" pitchFamily="49" charset="-128"/>
+                <a:cs typeface="Myrica M" panose="020B0509020203020207" pitchFamily="49" charset="-128"/>
+              </a:rPr>
+              <a:t>tmp</a:t>
+            </a:r>
+            <a:r>
+              <a:rPr lang="en-US" altLang="ja-JP" sz="2000" dirty="0">
+                <a:latin typeface="Myrica M" panose="020B0509020203020207" pitchFamily="49" charset="-128"/>
+                <a:ea typeface="Myrica M" panose="020B0509020203020207" pitchFamily="49" charset="-128"/>
+                <a:cs typeface="Myrica M" panose="020B0509020203020207" pitchFamily="49" charset="-128"/>
+              </a:rPr>
+              <a:t>;</a:t>
+            </a:r>
+          </a:p>
+          <a:p>
+            <a:r>
+              <a:rPr lang="en-US" altLang="ja-JP" sz="2000" dirty="0">
+                <a:latin typeface="Myrica M" panose="020B0509020203020207" pitchFamily="49" charset="-128"/>
+                <a:ea typeface="Myrica M" panose="020B0509020203020207" pitchFamily="49" charset="-128"/>
+                <a:cs typeface="Myrica M" panose="020B0509020203020207" pitchFamily="49" charset="-128"/>
+              </a:rPr>
+              <a:t>input a(4);</a:t>
+            </a:r>
+          </a:p>
+          <a:p>
+            <a:r>
+              <a:rPr lang="en-US" altLang="ja-JP" sz="2000" dirty="0" err="1">
+                <a:latin typeface="Myrica M" panose="020B0509020203020207" pitchFamily="49" charset="-128"/>
+                <a:ea typeface="Myrica M" panose="020B0509020203020207" pitchFamily="49" charset="-128"/>
+                <a:cs typeface="Myrica M" panose="020B0509020203020207" pitchFamily="49" charset="-128"/>
+              </a:rPr>
+              <a:t>i</a:t>
+            </a:r>
+            <a:r>
+              <a:rPr lang="en-US" altLang="ja-JP" sz="2000" dirty="0">
+                <a:latin typeface="Myrica M" panose="020B0509020203020207" pitchFamily="49" charset="-128"/>
+                <a:ea typeface="Myrica M" panose="020B0509020203020207" pitchFamily="49" charset="-128"/>
+                <a:cs typeface="Myrica M" panose="020B0509020203020207" pitchFamily="49" charset="-128"/>
+              </a:rPr>
+              <a:t> := 0;</a:t>
+            </a:r>
+          </a:p>
+          <a:p>
+            <a:r>
+              <a:rPr lang="en-US" altLang="ja-JP" sz="2000" dirty="0">
+                <a:latin typeface="Myrica M" panose="020B0509020203020207" pitchFamily="49" charset="-128"/>
+                <a:ea typeface="Myrica M" panose="020B0509020203020207" pitchFamily="49" charset="-128"/>
+                <a:cs typeface="Myrica M" panose="020B0509020203020207" pitchFamily="49" charset="-128"/>
+              </a:rPr>
+              <a:t>repeat 3 {</a:t>
+            </a:r>
+          </a:p>
+          <a:p>
+            <a:r>
+              <a:rPr lang="en-US" altLang="ja-JP" sz="2000" dirty="0">
+                <a:latin typeface="Myrica M" panose="020B0509020203020207" pitchFamily="49" charset="-128"/>
+                <a:ea typeface="Myrica M" panose="020B0509020203020207" pitchFamily="49" charset="-128"/>
+                <a:cs typeface="Myrica M" panose="020B0509020203020207" pitchFamily="49" charset="-128"/>
+              </a:rPr>
+              <a:t>    j := 0;</a:t>
+            </a:r>
+          </a:p>
+          <a:p>
+            <a:r>
+              <a:rPr lang="en-US" altLang="ja-JP" sz="2000" dirty="0">
+                <a:latin typeface="Myrica M" panose="020B0509020203020207" pitchFamily="49" charset="-128"/>
+                <a:ea typeface="Myrica M" panose="020B0509020203020207" pitchFamily="49" charset="-128"/>
+                <a:cs typeface="Myrica M" panose="020B0509020203020207" pitchFamily="49" charset="-128"/>
+              </a:rPr>
+              <a:t>    repeat 3 {</a:t>
+            </a:r>
+          </a:p>
+          <a:p>
+            <a:r>
+              <a:rPr lang="en-US" altLang="ja-JP" sz="2000" dirty="0">
+                <a:latin typeface="Myrica M" panose="020B0509020203020207" pitchFamily="49" charset="-128"/>
+                <a:ea typeface="Myrica M" panose="020B0509020203020207" pitchFamily="49" charset="-128"/>
+                <a:cs typeface="Myrica M" panose="020B0509020203020207" pitchFamily="49" charset="-128"/>
+              </a:rPr>
+              <a:t>        if (j &lt; 3 - </a:t>
+            </a:r>
+            <a:r>
+              <a:rPr lang="en-US" altLang="ja-JP" sz="2000" dirty="0" err="1">
+                <a:latin typeface="Myrica M" panose="020B0509020203020207" pitchFamily="49" charset="-128"/>
+                <a:ea typeface="Myrica M" panose="020B0509020203020207" pitchFamily="49" charset="-128"/>
+                <a:cs typeface="Myrica M" panose="020B0509020203020207" pitchFamily="49" charset="-128"/>
+              </a:rPr>
+              <a:t>i</a:t>
+            </a:r>
+            <a:r>
+              <a:rPr lang="en-US" altLang="ja-JP" sz="2000" dirty="0">
+                <a:latin typeface="Myrica M" panose="020B0509020203020207" pitchFamily="49" charset="-128"/>
+                <a:ea typeface="Myrica M" panose="020B0509020203020207" pitchFamily="49" charset="-128"/>
+                <a:cs typeface="Myrica M" panose="020B0509020203020207" pitchFamily="49" charset="-128"/>
+              </a:rPr>
+              <a:t>) {</a:t>
+            </a:r>
+          </a:p>
+          <a:p>
+            <a:r>
+              <a:rPr lang="en-US" altLang="ja-JP" sz="2000" dirty="0">
+                <a:latin typeface="Myrica M" panose="020B0509020203020207" pitchFamily="49" charset="-128"/>
+                <a:ea typeface="Myrica M" panose="020B0509020203020207" pitchFamily="49" charset="-128"/>
+                <a:cs typeface="Myrica M" panose="020B0509020203020207" pitchFamily="49" charset="-128"/>
+              </a:rPr>
+              <a:t>            if (a[j] &gt; a[j + 1]) {</a:t>
+            </a:r>
+          </a:p>
+          <a:p>
+            <a:r>
+              <a:rPr lang="en-US" altLang="ja-JP" sz="2000" dirty="0">
+                <a:latin typeface="Myrica M" panose="020B0509020203020207" pitchFamily="49" charset="-128"/>
+                <a:ea typeface="Myrica M" panose="020B0509020203020207" pitchFamily="49" charset="-128"/>
+                <a:cs typeface="Myrica M" panose="020B0509020203020207" pitchFamily="49" charset="-128"/>
+              </a:rPr>
+              <a:t>                </a:t>
+            </a:r>
+            <a:r>
+              <a:rPr lang="en-US" altLang="ja-JP" sz="2000" dirty="0" err="1">
+                <a:latin typeface="Myrica M" panose="020B0509020203020207" pitchFamily="49" charset="-128"/>
+                <a:ea typeface="Myrica M" panose="020B0509020203020207" pitchFamily="49" charset="-128"/>
+                <a:cs typeface="Myrica M" panose="020B0509020203020207" pitchFamily="49" charset="-128"/>
+              </a:rPr>
+              <a:t>tmp</a:t>
+            </a:r>
+            <a:r>
+              <a:rPr lang="en-US" altLang="ja-JP" sz="2000" dirty="0">
+                <a:latin typeface="Myrica M" panose="020B0509020203020207" pitchFamily="49" charset="-128"/>
+                <a:ea typeface="Myrica M" panose="020B0509020203020207" pitchFamily="49" charset="-128"/>
+                <a:cs typeface="Myrica M" panose="020B0509020203020207" pitchFamily="49" charset="-128"/>
+              </a:rPr>
+              <a:t> := a[j];</a:t>
+            </a:r>
+          </a:p>
+          <a:p>
+            <a:r>
+              <a:rPr lang="en-US" altLang="ja-JP" sz="2000" dirty="0">
+                <a:latin typeface="Myrica M" panose="020B0509020203020207" pitchFamily="49" charset="-128"/>
+                <a:ea typeface="Myrica M" panose="020B0509020203020207" pitchFamily="49" charset="-128"/>
+                <a:cs typeface="Myrica M" panose="020B0509020203020207" pitchFamily="49" charset="-128"/>
+              </a:rPr>
+              <a:t>                a[j] := a[j + 1];</a:t>
+            </a:r>
+          </a:p>
+          <a:p>
+            <a:r>
+              <a:rPr lang="en-US" altLang="ja-JP" sz="2000" dirty="0">
+                <a:latin typeface="Myrica M" panose="020B0509020203020207" pitchFamily="49" charset="-128"/>
+                <a:ea typeface="Myrica M" panose="020B0509020203020207" pitchFamily="49" charset="-128"/>
+                <a:cs typeface="Myrica M" panose="020B0509020203020207" pitchFamily="49" charset="-128"/>
+              </a:rPr>
+              <a:t>                a[j + 1] := </a:t>
+            </a:r>
+            <a:r>
+              <a:rPr lang="en-US" altLang="ja-JP" sz="2000" dirty="0" err="1">
+                <a:latin typeface="Myrica M" panose="020B0509020203020207" pitchFamily="49" charset="-128"/>
+                <a:ea typeface="Myrica M" panose="020B0509020203020207" pitchFamily="49" charset="-128"/>
+                <a:cs typeface="Myrica M" panose="020B0509020203020207" pitchFamily="49" charset="-128"/>
+              </a:rPr>
+              <a:t>tmp</a:t>
+            </a:r>
+            <a:r>
+              <a:rPr lang="en-US" altLang="ja-JP" sz="2000" dirty="0">
+                <a:latin typeface="Myrica M" panose="020B0509020203020207" pitchFamily="49" charset="-128"/>
+                <a:ea typeface="Myrica M" panose="020B0509020203020207" pitchFamily="49" charset="-128"/>
+                <a:cs typeface="Myrica M" panose="020B0509020203020207" pitchFamily="49" charset="-128"/>
+              </a:rPr>
+              <a:t>;</a:t>
+            </a:r>
+          </a:p>
+          <a:p>
+            <a:r>
+              <a:rPr lang="en-US" altLang="ja-JP" sz="2000" dirty="0">
+                <a:latin typeface="Myrica M" panose="020B0509020203020207" pitchFamily="49" charset="-128"/>
+                <a:ea typeface="Myrica M" panose="020B0509020203020207" pitchFamily="49" charset="-128"/>
+                <a:cs typeface="Myrica M" panose="020B0509020203020207" pitchFamily="49" charset="-128"/>
+              </a:rPr>
+              <a:t>            }</a:t>
+            </a:r>
+          </a:p>
+          <a:p>
+            <a:r>
+              <a:rPr lang="en-US" altLang="ja-JP" sz="2000" dirty="0">
+                <a:latin typeface="Myrica M" panose="020B0509020203020207" pitchFamily="49" charset="-128"/>
+                <a:ea typeface="Myrica M" panose="020B0509020203020207" pitchFamily="49" charset="-128"/>
+                <a:cs typeface="Myrica M" panose="020B0509020203020207" pitchFamily="49" charset="-128"/>
+              </a:rPr>
+              <a:t>        }</a:t>
+            </a:r>
+          </a:p>
+          <a:p>
+            <a:r>
+              <a:rPr lang="en-US" altLang="ja-JP" sz="2000" dirty="0">
+                <a:latin typeface="Myrica M" panose="020B0509020203020207" pitchFamily="49" charset="-128"/>
+                <a:ea typeface="Myrica M" panose="020B0509020203020207" pitchFamily="49" charset="-128"/>
+                <a:cs typeface="Myrica M" panose="020B0509020203020207" pitchFamily="49" charset="-128"/>
+              </a:rPr>
+              <a:t>        j := j + 1;</a:t>
+            </a:r>
+          </a:p>
+          <a:p>
+            <a:r>
+              <a:rPr lang="en-US" altLang="ja-JP" sz="2000" dirty="0">
+                <a:latin typeface="Myrica M" panose="020B0509020203020207" pitchFamily="49" charset="-128"/>
+                <a:ea typeface="Myrica M" panose="020B0509020203020207" pitchFamily="49" charset="-128"/>
+                <a:cs typeface="Myrica M" panose="020B0509020203020207" pitchFamily="49" charset="-128"/>
+              </a:rPr>
+              <a:t>    }</a:t>
+            </a:r>
+          </a:p>
+          <a:p>
+            <a:r>
+              <a:rPr lang="en-US" altLang="ja-JP" sz="2000" dirty="0">
+                <a:latin typeface="Myrica M" panose="020B0509020203020207" pitchFamily="49" charset="-128"/>
+                <a:ea typeface="Myrica M" panose="020B0509020203020207" pitchFamily="49" charset="-128"/>
+                <a:cs typeface="Myrica M" panose="020B0509020203020207" pitchFamily="49" charset="-128"/>
+              </a:rPr>
+              <a:t>    </a:t>
+            </a:r>
+            <a:r>
+              <a:rPr lang="en-US" altLang="ja-JP" sz="2000" dirty="0" err="1">
+                <a:latin typeface="Myrica M" panose="020B0509020203020207" pitchFamily="49" charset="-128"/>
+                <a:ea typeface="Myrica M" panose="020B0509020203020207" pitchFamily="49" charset="-128"/>
+                <a:cs typeface="Myrica M" panose="020B0509020203020207" pitchFamily="49" charset="-128"/>
+              </a:rPr>
+              <a:t>i</a:t>
+            </a:r>
+            <a:r>
+              <a:rPr lang="en-US" altLang="ja-JP" sz="2000" dirty="0">
+                <a:latin typeface="Myrica M" panose="020B0509020203020207" pitchFamily="49" charset="-128"/>
+                <a:ea typeface="Myrica M" panose="020B0509020203020207" pitchFamily="49" charset="-128"/>
+                <a:cs typeface="Myrica M" panose="020B0509020203020207" pitchFamily="49" charset="-128"/>
+              </a:rPr>
+              <a:t> := </a:t>
+            </a:r>
+            <a:r>
+              <a:rPr lang="en-US" altLang="ja-JP" sz="2000" dirty="0" err="1">
+                <a:latin typeface="Myrica M" panose="020B0509020203020207" pitchFamily="49" charset="-128"/>
+                <a:ea typeface="Myrica M" panose="020B0509020203020207" pitchFamily="49" charset="-128"/>
+                <a:cs typeface="Myrica M" panose="020B0509020203020207" pitchFamily="49" charset="-128"/>
+              </a:rPr>
+              <a:t>i</a:t>
+            </a:r>
+            <a:r>
+              <a:rPr lang="en-US" altLang="ja-JP" sz="2000" dirty="0">
+                <a:latin typeface="Myrica M" panose="020B0509020203020207" pitchFamily="49" charset="-128"/>
+                <a:ea typeface="Myrica M" panose="020B0509020203020207" pitchFamily="49" charset="-128"/>
+                <a:cs typeface="Myrica M" panose="020B0509020203020207" pitchFamily="49" charset="-128"/>
+              </a:rPr>
+              <a:t> + 1;</a:t>
+            </a:r>
+          </a:p>
+          <a:p>
+            <a:r>
+              <a:rPr lang="en-US" altLang="ja-JP" sz="2000" dirty="0">
+                <a:latin typeface="Myrica M" panose="020B0509020203020207" pitchFamily="49" charset="-128"/>
+                <a:ea typeface="Myrica M" panose="020B0509020203020207" pitchFamily="49" charset="-128"/>
+                <a:cs typeface="Myrica M" panose="020B0509020203020207" pitchFamily="49" charset="-128"/>
+              </a:rPr>
+              <a:t>}</a:t>
+            </a:r>
+          </a:p>
+        </p:txBody>
+      </p:sp>
+      <p:sp>
+        <p:nvSpPr>
+          <p:cNvPr id="4" name="テキスト ボックス 3"/>
+          <p:cNvSpPr txBox="1"/>
+          <p:nvPr/>
+        </p:nvSpPr>
+        <p:spPr>
+          <a:xfrm>
+            <a:off x="456687" y="354992"/>
+            <a:ext cx="783772" cy="5232202"/>
+          </a:xfrm>
+          <a:prstGeom prst="rect">
+            <a:avLst/>
+          </a:prstGeom>
+          <a:noFill/>
+        </p:spPr>
+        <p:txBody>
+          <a:bodyPr wrap="square" lIns="0" tIns="0" rIns="0" bIns="0" rtlCol="0">
+            <a:spAutoFit/>
+          </a:bodyPr>
+          <a:lstStyle/>
+          <a:p>
+            <a:pPr algn="ctr"/>
+            <a:r>
+              <a:rPr kumimoji="1" lang="en-US" altLang="ja-JP" sz="2000" b="1" dirty="0" smtClean="0">
+                <a:solidFill>
+                  <a:srgbClr val="FF0000"/>
+                </a:solidFill>
+                <a:latin typeface="Myrica M" panose="020B0509020203020207" pitchFamily="49" charset="-128"/>
+                <a:ea typeface="Myrica M" panose="020B0509020203020207" pitchFamily="49" charset="-128"/>
+                <a:cs typeface="Myrica M" panose="020B0509020203020207" pitchFamily="49" charset="-128"/>
+              </a:rPr>
+              <a:t>(1)</a:t>
+            </a:r>
+          </a:p>
+          <a:p>
+            <a:pPr algn="ctr"/>
+            <a:r>
+              <a:rPr lang="en-US" altLang="ja-JP" sz="2000" b="1" dirty="0" smtClean="0">
+                <a:solidFill>
+                  <a:srgbClr val="FF0000"/>
+                </a:solidFill>
+                <a:latin typeface="Myrica M" panose="020B0509020203020207" pitchFamily="49" charset="-128"/>
+                <a:ea typeface="Myrica M" panose="020B0509020203020207" pitchFamily="49" charset="-128"/>
+                <a:cs typeface="Myrica M" panose="020B0509020203020207" pitchFamily="49" charset="-128"/>
+              </a:rPr>
+              <a:t>(2)</a:t>
+            </a:r>
+          </a:p>
+          <a:p>
+            <a:pPr algn="ctr"/>
+            <a:r>
+              <a:rPr kumimoji="1" lang="en-US" altLang="ja-JP" sz="2000" b="1" dirty="0" smtClean="0">
+                <a:solidFill>
+                  <a:srgbClr val="FF0000"/>
+                </a:solidFill>
+                <a:latin typeface="Myrica M" panose="020B0509020203020207" pitchFamily="49" charset="-128"/>
+                <a:ea typeface="Myrica M" panose="020B0509020203020207" pitchFamily="49" charset="-128"/>
+                <a:cs typeface="Myrica M" panose="020B0509020203020207" pitchFamily="49" charset="-128"/>
+              </a:rPr>
+              <a:t>(3)</a:t>
+            </a:r>
+          </a:p>
+          <a:p>
+            <a:pPr algn="ctr"/>
+            <a:r>
+              <a:rPr kumimoji="1" lang="en-US" altLang="ja-JP" sz="2000" b="1" dirty="0" smtClean="0">
+                <a:solidFill>
+                  <a:srgbClr val="FF0000"/>
+                </a:solidFill>
+                <a:latin typeface="Myrica M" panose="020B0509020203020207" pitchFamily="49" charset="-128"/>
+                <a:ea typeface="Myrica M" panose="020B0509020203020207" pitchFamily="49" charset="-128"/>
+                <a:cs typeface="Myrica M" panose="020B0509020203020207" pitchFamily="49" charset="-128"/>
+              </a:rPr>
+              <a:t>(17)</a:t>
+            </a:r>
+          </a:p>
+          <a:p>
+            <a:pPr algn="ctr"/>
+            <a:r>
+              <a:rPr lang="en-US" altLang="ja-JP" sz="2000" b="1" dirty="0" smtClean="0">
+                <a:solidFill>
+                  <a:srgbClr val="FF0000"/>
+                </a:solidFill>
+                <a:latin typeface="Myrica M" panose="020B0509020203020207" pitchFamily="49" charset="-128"/>
+                <a:ea typeface="Myrica M" panose="020B0509020203020207" pitchFamily="49" charset="-128"/>
+                <a:cs typeface="Myrica M" panose="020B0509020203020207" pitchFamily="49" charset="-128"/>
+              </a:rPr>
+              <a:t>(4)</a:t>
+            </a:r>
+          </a:p>
+          <a:p>
+            <a:pPr algn="ctr"/>
+            <a:r>
+              <a:rPr kumimoji="1" lang="en-US" altLang="ja-JP" sz="2000" b="1" dirty="0" smtClean="0">
+                <a:solidFill>
+                  <a:srgbClr val="FF0000"/>
+                </a:solidFill>
+                <a:latin typeface="Myrica M" panose="020B0509020203020207" pitchFamily="49" charset="-128"/>
+                <a:ea typeface="Myrica M" panose="020B0509020203020207" pitchFamily="49" charset="-128"/>
+                <a:cs typeface="Myrica M" panose="020B0509020203020207" pitchFamily="49" charset="-128"/>
+              </a:rPr>
+              <a:t>(17)</a:t>
+            </a:r>
+          </a:p>
+          <a:p>
+            <a:pPr algn="ctr"/>
+            <a:r>
+              <a:rPr lang="en-US" altLang="ja-JP" sz="2000" b="1" dirty="0" smtClean="0">
+                <a:solidFill>
+                  <a:srgbClr val="FF0000"/>
+                </a:solidFill>
+                <a:latin typeface="Myrica M" panose="020B0509020203020207" pitchFamily="49" charset="-128"/>
+                <a:ea typeface="Myrica M" panose="020B0509020203020207" pitchFamily="49" charset="-128"/>
+                <a:cs typeface="Myrica M" panose="020B0509020203020207" pitchFamily="49" charset="-128"/>
+              </a:rPr>
+              <a:t>(15)</a:t>
+            </a:r>
+          </a:p>
+          <a:p>
+            <a:pPr algn="ctr"/>
+            <a:r>
+              <a:rPr kumimoji="1" lang="en-US" altLang="ja-JP" sz="2000" b="1" dirty="0" smtClean="0">
+                <a:solidFill>
+                  <a:srgbClr val="FF0000"/>
+                </a:solidFill>
+                <a:latin typeface="Myrica M" panose="020B0509020203020207" pitchFamily="49" charset="-128"/>
+                <a:ea typeface="Myrica M" panose="020B0509020203020207" pitchFamily="49" charset="-128"/>
+                <a:cs typeface="Myrica M" panose="020B0509020203020207" pitchFamily="49" charset="-128"/>
+              </a:rPr>
+              <a:t>(13)</a:t>
+            </a:r>
+          </a:p>
+          <a:p>
+            <a:pPr algn="ctr"/>
+            <a:r>
+              <a:rPr lang="en-US" altLang="ja-JP" sz="2000" b="1" dirty="0" smtClean="0">
+                <a:solidFill>
+                  <a:srgbClr val="FF0000"/>
+                </a:solidFill>
+                <a:latin typeface="Myrica M" panose="020B0509020203020207" pitchFamily="49" charset="-128"/>
+                <a:ea typeface="Myrica M" panose="020B0509020203020207" pitchFamily="49" charset="-128"/>
+                <a:cs typeface="Myrica M" panose="020B0509020203020207" pitchFamily="49" charset="-128"/>
+              </a:rPr>
+              <a:t>(9)</a:t>
+            </a:r>
+          </a:p>
+          <a:p>
+            <a:pPr algn="ctr"/>
+            <a:r>
+              <a:rPr kumimoji="1" lang="en-US" altLang="ja-JP" sz="2000" b="1" dirty="0" smtClean="0">
+                <a:solidFill>
+                  <a:srgbClr val="FF0000"/>
+                </a:solidFill>
+                <a:latin typeface="Myrica M" panose="020B0509020203020207" pitchFamily="49" charset="-128"/>
+                <a:ea typeface="Myrica M" panose="020B0509020203020207" pitchFamily="49" charset="-128"/>
+                <a:cs typeface="Myrica M" panose="020B0509020203020207" pitchFamily="49" charset="-128"/>
+              </a:rPr>
+              <a:t>(7)</a:t>
+            </a:r>
+          </a:p>
+          <a:p>
+            <a:pPr algn="ctr"/>
+            <a:r>
+              <a:rPr lang="en-US" altLang="ja-JP" sz="2000" b="1" dirty="0" smtClean="0">
+                <a:solidFill>
+                  <a:srgbClr val="FF0000"/>
+                </a:solidFill>
+                <a:latin typeface="Myrica M" panose="020B0509020203020207" pitchFamily="49" charset="-128"/>
+                <a:ea typeface="Myrica M" panose="020B0509020203020207" pitchFamily="49" charset="-128"/>
+                <a:cs typeface="Myrica M" panose="020B0509020203020207" pitchFamily="49" charset="-128"/>
+              </a:rPr>
+              <a:t>(11)</a:t>
+            </a:r>
+          </a:p>
+          <a:p>
+            <a:pPr algn="ctr"/>
+            <a:r>
+              <a:rPr kumimoji="1" lang="en-US" altLang="ja-JP" sz="2000" b="1" dirty="0" smtClean="0">
+                <a:solidFill>
+                  <a:srgbClr val="FF0000"/>
+                </a:solidFill>
+                <a:latin typeface="Myrica M" panose="020B0509020203020207" pitchFamily="49" charset="-128"/>
+                <a:ea typeface="Myrica M" panose="020B0509020203020207" pitchFamily="49" charset="-128"/>
+                <a:cs typeface="Myrica M" panose="020B0509020203020207" pitchFamily="49" charset="-128"/>
+              </a:rPr>
+              <a:t>(18)</a:t>
+            </a:r>
+          </a:p>
+          <a:p>
+            <a:pPr algn="ctr"/>
+            <a:r>
+              <a:rPr lang="en-US" altLang="ja-JP" sz="2000" b="1" dirty="0" smtClean="0">
+                <a:solidFill>
+                  <a:srgbClr val="FF0000"/>
+                </a:solidFill>
+                <a:latin typeface="Myrica M" panose="020B0509020203020207" pitchFamily="49" charset="-128"/>
+                <a:ea typeface="Myrica M" panose="020B0509020203020207" pitchFamily="49" charset="-128"/>
+                <a:cs typeface="Myrica M" panose="020B0509020203020207" pitchFamily="49" charset="-128"/>
+              </a:rPr>
+              <a:t>(18)</a:t>
+            </a:r>
+          </a:p>
+          <a:p>
+            <a:pPr algn="ctr"/>
+            <a:r>
+              <a:rPr kumimoji="1" lang="en-US" altLang="ja-JP" sz="2000" b="1" dirty="0" smtClean="0">
+                <a:solidFill>
+                  <a:srgbClr val="FF0000"/>
+                </a:solidFill>
+                <a:latin typeface="Myrica M" panose="020B0509020203020207" pitchFamily="49" charset="-128"/>
+                <a:ea typeface="Myrica M" panose="020B0509020203020207" pitchFamily="49" charset="-128"/>
+                <a:cs typeface="Myrica M" panose="020B0509020203020207" pitchFamily="49" charset="-128"/>
+              </a:rPr>
+              <a:t>(6)</a:t>
+            </a:r>
+          </a:p>
+          <a:p>
+            <a:pPr algn="ctr"/>
+            <a:r>
+              <a:rPr lang="en-US" altLang="ja-JP" sz="2000" b="1" dirty="0" smtClean="0">
+                <a:solidFill>
+                  <a:srgbClr val="FF0000"/>
+                </a:solidFill>
+                <a:latin typeface="Myrica M" panose="020B0509020203020207" pitchFamily="49" charset="-128"/>
+                <a:ea typeface="Myrica M" panose="020B0509020203020207" pitchFamily="49" charset="-128"/>
+                <a:cs typeface="Myrica M" panose="020B0509020203020207" pitchFamily="49" charset="-128"/>
+              </a:rPr>
+              <a:t>(18)</a:t>
+            </a:r>
+          </a:p>
+          <a:p>
+            <a:pPr algn="ctr"/>
+            <a:r>
+              <a:rPr kumimoji="1" lang="en-US" altLang="ja-JP" sz="2000" b="1" dirty="0" smtClean="0">
+                <a:solidFill>
+                  <a:srgbClr val="FF0000"/>
+                </a:solidFill>
+                <a:latin typeface="Myrica M" panose="020B0509020203020207" pitchFamily="49" charset="-128"/>
+                <a:ea typeface="Myrica M" panose="020B0509020203020207" pitchFamily="49" charset="-128"/>
+                <a:cs typeface="Myrica M" panose="020B0509020203020207" pitchFamily="49" charset="-128"/>
+              </a:rPr>
+              <a:t>(5)</a:t>
+            </a:r>
+          </a:p>
+          <a:p>
+            <a:pPr algn="ctr"/>
+            <a:r>
+              <a:rPr lang="en-US" altLang="ja-JP" sz="2000" b="1" dirty="0" smtClean="0">
+                <a:solidFill>
+                  <a:srgbClr val="FF0000"/>
+                </a:solidFill>
+                <a:latin typeface="Myrica M" panose="020B0509020203020207" pitchFamily="49" charset="-128"/>
+                <a:ea typeface="Myrica M" panose="020B0509020203020207" pitchFamily="49" charset="-128"/>
+                <a:cs typeface="Myrica M" panose="020B0509020203020207" pitchFamily="49" charset="-128"/>
+              </a:rPr>
+              <a:t>(18)</a:t>
+            </a:r>
+            <a:endParaRPr kumimoji="1" lang="ja-JP" altLang="en-US" sz="2000" b="1" dirty="0">
+              <a:solidFill>
+                <a:srgbClr val="FF0000"/>
+              </a:solidFill>
+              <a:latin typeface="Myrica M" panose="020B0509020203020207" pitchFamily="49" charset="-128"/>
+              <a:ea typeface="Myrica M" panose="020B0509020203020207" pitchFamily="49" charset="-128"/>
+              <a:cs typeface="Myrica M" panose="020B0509020203020207" pitchFamily="49" charset="-128"/>
+            </a:endParaRPr>
+          </a:p>
+        </p:txBody>
+      </p:sp>
+    </p:spTree>
+    <p:extLst>
+      <p:ext uri="{BB962C8B-B14F-4D97-AF65-F5344CB8AC3E}">
+        <p14:creationId xmlns:p14="http://schemas.microsoft.com/office/powerpoint/2010/main" val="3651711715"/>
+      </p:ext>
+    </p:extLst>
+  </p:cSld>
+  <p:clrMapOvr>
+    <a:masterClrMapping/>
+  </p:clrMapOvr>
+  <p:timing>
+    <p:tnLst>
+      <p:par>
+        <p:cTn id="1" dur="indefinite" restart="never" nodeType="tmRoot"/>
+      </p:par>
+    </p:tnLst>
+  </p:timing>
+</p:sld>
+</file>
+
+<file path=ppt/slides/slide5.xml><?xml version="1.0" encoding="utf-8"?>
+<p:sld xmlns:a="http://schemas.openxmlformats.org/drawingml/2006/main" xmlns:r="http://schemas.openxmlformats.org/officeDocument/2006/relationships" xmlns:p="http://schemas.openxmlformats.org/presentationml/2006/main">
+  <p:cSld>
+    <p:spTree>
+      <p:nvGrpSpPr>
+        <p:cNvPr id="1" name=""/>
+        <p:cNvGrpSpPr/>
+        <p:nvPr/>
+      </p:nvGrpSpPr>
+      <p:grpSpPr>
+        <a:xfrm>
+          <a:off x="0" y="0"/>
+          <a:ext cx="0" cy="0"/>
+          <a:chOff x="0" y="0"/>
+          <a:chExt cx="0" cy="0"/>
+        </a:xfrm>
+      </p:grpSpPr>
+      <p:sp>
+        <p:nvSpPr>
+          <p:cNvPr id="2" name="テキスト ボックス 1"/>
+          <p:cNvSpPr txBox="1"/>
+          <p:nvPr/>
+        </p:nvSpPr>
+        <p:spPr>
+          <a:xfrm>
+            <a:off x="1240459" y="308825"/>
+            <a:ext cx="4869396" cy="5324535"/>
+          </a:xfrm>
+          <a:prstGeom prst="rect">
+            <a:avLst/>
+          </a:prstGeom>
+          <a:noFill/>
+        </p:spPr>
+        <p:txBody>
+          <a:bodyPr wrap="square" rtlCol="0">
+            <a:spAutoFit/>
+          </a:bodyPr>
+          <a:lstStyle/>
+          <a:p>
+            <a:r>
+              <a:rPr lang="en-US" altLang="ja-JP" sz="2000" dirty="0" err="1">
+                <a:latin typeface="Myrica M" panose="020B0509020203020207" pitchFamily="49" charset="-128"/>
+                <a:ea typeface="Myrica M" panose="020B0509020203020207" pitchFamily="49" charset="-128"/>
+                <a:cs typeface="Myrica M" panose="020B0509020203020207" pitchFamily="49" charset="-128"/>
+              </a:rPr>
+              <a:t>var</a:t>
+            </a:r>
+            <a:r>
+              <a:rPr lang="en-US" altLang="ja-JP" sz="2000" dirty="0">
+                <a:latin typeface="Myrica M" panose="020B0509020203020207" pitchFamily="49" charset="-128"/>
+                <a:ea typeface="Myrica M" panose="020B0509020203020207" pitchFamily="49" charset="-128"/>
+                <a:cs typeface="Myrica M" panose="020B0509020203020207" pitchFamily="49" charset="-128"/>
+              </a:rPr>
+              <a:t> </a:t>
+            </a:r>
+            <a:r>
+              <a:rPr lang="en-US" altLang="ja-JP" sz="2000" dirty="0" err="1">
+                <a:latin typeface="Myrica M" panose="020B0509020203020207" pitchFamily="49" charset="-128"/>
+                <a:ea typeface="Myrica M" panose="020B0509020203020207" pitchFamily="49" charset="-128"/>
+                <a:cs typeface="Myrica M" panose="020B0509020203020207" pitchFamily="49" charset="-128"/>
+              </a:rPr>
+              <a:t>i</a:t>
+            </a:r>
+            <a:r>
+              <a:rPr lang="en-US" altLang="ja-JP" sz="2000" dirty="0">
+                <a:latin typeface="Myrica M" panose="020B0509020203020207" pitchFamily="49" charset="-128"/>
+                <a:ea typeface="Myrica M" panose="020B0509020203020207" pitchFamily="49" charset="-128"/>
+                <a:cs typeface="Myrica M" panose="020B0509020203020207" pitchFamily="49" charset="-128"/>
+              </a:rPr>
+              <a:t>, j, </a:t>
+            </a:r>
+            <a:r>
+              <a:rPr lang="en-US" altLang="ja-JP" sz="2000" dirty="0" err="1">
+                <a:latin typeface="Myrica M" panose="020B0509020203020207" pitchFamily="49" charset="-128"/>
+                <a:ea typeface="Myrica M" panose="020B0509020203020207" pitchFamily="49" charset="-128"/>
+                <a:cs typeface="Myrica M" panose="020B0509020203020207" pitchFamily="49" charset="-128"/>
+              </a:rPr>
+              <a:t>tmp</a:t>
+            </a:r>
+            <a:r>
+              <a:rPr lang="en-US" altLang="ja-JP" sz="2000" dirty="0">
+                <a:latin typeface="Myrica M" panose="020B0509020203020207" pitchFamily="49" charset="-128"/>
+                <a:ea typeface="Myrica M" panose="020B0509020203020207" pitchFamily="49" charset="-128"/>
+                <a:cs typeface="Myrica M" panose="020B0509020203020207" pitchFamily="49" charset="-128"/>
+              </a:rPr>
+              <a:t>;</a:t>
+            </a:r>
+          </a:p>
+          <a:p>
+            <a:r>
+              <a:rPr lang="en-US" altLang="ja-JP" sz="2000" dirty="0">
+                <a:latin typeface="Myrica M" panose="020B0509020203020207" pitchFamily="49" charset="-128"/>
+                <a:ea typeface="Myrica M" panose="020B0509020203020207" pitchFamily="49" charset="-128"/>
+                <a:cs typeface="Myrica M" panose="020B0509020203020207" pitchFamily="49" charset="-128"/>
+              </a:rPr>
+              <a:t>input a(4);</a:t>
+            </a:r>
+          </a:p>
+          <a:p>
+            <a:r>
+              <a:rPr lang="en-US" altLang="ja-JP" sz="2000" dirty="0" err="1">
+                <a:latin typeface="Myrica M" panose="020B0509020203020207" pitchFamily="49" charset="-128"/>
+                <a:ea typeface="Myrica M" panose="020B0509020203020207" pitchFamily="49" charset="-128"/>
+                <a:cs typeface="Myrica M" panose="020B0509020203020207" pitchFamily="49" charset="-128"/>
+              </a:rPr>
+              <a:t>i</a:t>
+            </a:r>
+            <a:r>
+              <a:rPr lang="en-US" altLang="ja-JP" sz="2000" dirty="0">
+                <a:latin typeface="Myrica M" panose="020B0509020203020207" pitchFamily="49" charset="-128"/>
+                <a:ea typeface="Myrica M" panose="020B0509020203020207" pitchFamily="49" charset="-128"/>
+                <a:cs typeface="Myrica M" panose="020B0509020203020207" pitchFamily="49" charset="-128"/>
+              </a:rPr>
+              <a:t> := 0;</a:t>
+            </a:r>
+          </a:p>
+          <a:p>
+            <a:r>
+              <a:rPr lang="en-US" altLang="ja-JP" sz="2000" dirty="0">
+                <a:latin typeface="Myrica M" panose="020B0509020203020207" pitchFamily="49" charset="-128"/>
+                <a:ea typeface="Myrica M" panose="020B0509020203020207" pitchFamily="49" charset="-128"/>
+                <a:cs typeface="Myrica M" panose="020B0509020203020207" pitchFamily="49" charset="-128"/>
+              </a:rPr>
+              <a:t>repeat 3 {</a:t>
+            </a:r>
+          </a:p>
+          <a:p>
+            <a:r>
+              <a:rPr lang="en-US" altLang="ja-JP" sz="2000" dirty="0">
+                <a:latin typeface="Myrica M" panose="020B0509020203020207" pitchFamily="49" charset="-128"/>
+                <a:ea typeface="Myrica M" panose="020B0509020203020207" pitchFamily="49" charset="-128"/>
+                <a:cs typeface="Myrica M" panose="020B0509020203020207" pitchFamily="49" charset="-128"/>
+              </a:rPr>
+              <a:t>    j := 0;</a:t>
+            </a:r>
+          </a:p>
+          <a:p>
+            <a:r>
+              <a:rPr lang="en-US" altLang="ja-JP" sz="2000" dirty="0">
+                <a:latin typeface="Myrica M" panose="020B0509020203020207" pitchFamily="49" charset="-128"/>
+                <a:ea typeface="Myrica M" panose="020B0509020203020207" pitchFamily="49" charset="-128"/>
+                <a:cs typeface="Myrica M" panose="020B0509020203020207" pitchFamily="49" charset="-128"/>
+              </a:rPr>
+              <a:t>    repeat 3 {</a:t>
+            </a:r>
+          </a:p>
+          <a:p>
+            <a:r>
+              <a:rPr lang="en-US" altLang="ja-JP" sz="2000" dirty="0">
+                <a:latin typeface="Myrica M" panose="020B0509020203020207" pitchFamily="49" charset="-128"/>
+                <a:ea typeface="Myrica M" panose="020B0509020203020207" pitchFamily="49" charset="-128"/>
+                <a:cs typeface="Myrica M" panose="020B0509020203020207" pitchFamily="49" charset="-128"/>
+              </a:rPr>
+              <a:t>        if (j &lt; 3 - </a:t>
+            </a:r>
+            <a:r>
+              <a:rPr lang="en-US" altLang="ja-JP" sz="2000" dirty="0" err="1">
+                <a:latin typeface="Myrica M" panose="020B0509020203020207" pitchFamily="49" charset="-128"/>
+                <a:ea typeface="Myrica M" panose="020B0509020203020207" pitchFamily="49" charset="-128"/>
+                <a:cs typeface="Myrica M" panose="020B0509020203020207" pitchFamily="49" charset="-128"/>
+              </a:rPr>
+              <a:t>i</a:t>
+            </a:r>
+            <a:r>
+              <a:rPr lang="en-US" altLang="ja-JP" sz="2000" dirty="0">
+                <a:latin typeface="Myrica M" panose="020B0509020203020207" pitchFamily="49" charset="-128"/>
+                <a:ea typeface="Myrica M" panose="020B0509020203020207" pitchFamily="49" charset="-128"/>
+                <a:cs typeface="Myrica M" panose="020B0509020203020207" pitchFamily="49" charset="-128"/>
+              </a:rPr>
+              <a:t>) {</a:t>
+            </a:r>
+          </a:p>
+          <a:p>
+            <a:r>
+              <a:rPr lang="en-US" altLang="ja-JP" sz="2000" dirty="0">
+                <a:latin typeface="Myrica M" panose="020B0509020203020207" pitchFamily="49" charset="-128"/>
+                <a:ea typeface="Myrica M" panose="020B0509020203020207" pitchFamily="49" charset="-128"/>
+                <a:cs typeface="Myrica M" panose="020B0509020203020207" pitchFamily="49" charset="-128"/>
+              </a:rPr>
+              <a:t>            if (a[j] &gt; a[j + 1]) {</a:t>
+            </a:r>
+          </a:p>
+          <a:p>
+            <a:r>
+              <a:rPr lang="en-US" altLang="ja-JP" sz="2000" dirty="0">
+                <a:latin typeface="Myrica M" panose="020B0509020203020207" pitchFamily="49" charset="-128"/>
+                <a:ea typeface="Myrica M" panose="020B0509020203020207" pitchFamily="49" charset="-128"/>
+                <a:cs typeface="Myrica M" panose="020B0509020203020207" pitchFamily="49" charset="-128"/>
+              </a:rPr>
+              <a:t>                </a:t>
+            </a:r>
+            <a:r>
+              <a:rPr lang="en-US" altLang="ja-JP" sz="2000" dirty="0" err="1">
+                <a:latin typeface="Myrica M" panose="020B0509020203020207" pitchFamily="49" charset="-128"/>
+                <a:ea typeface="Myrica M" panose="020B0509020203020207" pitchFamily="49" charset="-128"/>
+                <a:cs typeface="Myrica M" panose="020B0509020203020207" pitchFamily="49" charset="-128"/>
+              </a:rPr>
+              <a:t>tmp</a:t>
+            </a:r>
+            <a:r>
+              <a:rPr lang="en-US" altLang="ja-JP" sz="2000" dirty="0">
+                <a:latin typeface="Myrica M" panose="020B0509020203020207" pitchFamily="49" charset="-128"/>
+                <a:ea typeface="Myrica M" panose="020B0509020203020207" pitchFamily="49" charset="-128"/>
+                <a:cs typeface="Myrica M" panose="020B0509020203020207" pitchFamily="49" charset="-128"/>
+              </a:rPr>
+              <a:t> := a[j];</a:t>
+            </a:r>
+          </a:p>
+          <a:p>
+            <a:r>
+              <a:rPr lang="en-US" altLang="ja-JP" sz="2000" dirty="0">
+                <a:latin typeface="Myrica M" panose="020B0509020203020207" pitchFamily="49" charset="-128"/>
+                <a:ea typeface="Myrica M" panose="020B0509020203020207" pitchFamily="49" charset="-128"/>
+                <a:cs typeface="Myrica M" panose="020B0509020203020207" pitchFamily="49" charset="-128"/>
+              </a:rPr>
+              <a:t>                a[j] := a[j + 1];</a:t>
+            </a:r>
+          </a:p>
+          <a:p>
+            <a:r>
+              <a:rPr lang="en-US" altLang="ja-JP" sz="2000" dirty="0">
+                <a:latin typeface="Myrica M" panose="020B0509020203020207" pitchFamily="49" charset="-128"/>
+                <a:ea typeface="Myrica M" panose="020B0509020203020207" pitchFamily="49" charset="-128"/>
+                <a:cs typeface="Myrica M" panose="020B0509020203020207" pitchFamily="49" charset="-128"/>
+              </a:rPr>
+              <a:t>                a[j + 1] := </a:t>
+            </a:r>
+            <a:r>
+              <a:rPr lang="en-US" altLang="ja-JP" sz="2000" dirty="0" err="1">
+                <a:latin typeface="Myrica M" panose="020B0509020203020207" pitchFamily="49" charset="-128"/>
+                <a:ea typeface="Myrica M" panose="020B0509020203020207" pitchFamily="49" charset="-128"/>
+                <a:cs typeface="Myrica M" panose="020B0509020203020207" pitchFamily="49" charset="-128"/>
+              </a:rPr>
+              <a:t>tmp</a:t>
+            </a:r>
+            <a:r>
+              <a:rPr lang="en-US" altLang="ja-JP" sz="2000" dirty="0">
+                <a:latin typeface="Myrica M" panose="020B0509020203020207" pitchFamily="49" charset="-128"/>
+                <a:ea typeface="Myrica M" panose="020B0509020203020207" pitchFamily="49" charset="-128"/>
+                <a:cs typeface="Myrica M" panose="020B0509020203020207" pitchFamily="49" charset="-128"/>
+              </a:rPr>
+              <a:t>;</a:t>
+            </a:r>
+          </a:p>
+          <a:p>
+            <a:r>
+              <a:rPr lang="en-US" altLang="ja-JP" sz="2000" dirty="0">
+                <a:latin typeface="Myrica M" panose="020B0509020203020207" pitchFamily="49" charset="-128"/>
+                <a:ea typeface="Myrica M" panose="020B0509020203020207" pitchFamily="49" charset="-128"/>
+                <a:cs typeface="Myrica M" panose="020B0509020203020207" pitchFamily="49" charset="-128"/>
+              </a:rPr>
+              <a:t>            }</a:t>
+            </a:r>
+          </a:p>
+          <a:p>
+            <a:r>
+              <a:rPr lang="en-US" altLang="ja-JP" sz="2000" dirty="0">
+                <a:latin typeface="Myrica M" panose="020B0509020203020207" pitchFamily="49" charset="-128"/>
+                <a:ea typeface="Myrica M" panose="020B0509020203020207" pitchFamily="49" charset="-128"/>
+                <a:cs typeface="Myrica M" panose="020B0509020203020207" pitchFamily="49" charset="-128"/>
+              </a:rPr>
+              <a:t>        }</a:t>
+            </a:r>
+          </a:p>
+          <a:p>
+            <a:r>
+              <a:rPr lang="en-US" altLang="ja-JP" sz="2000" dirty="0">
+                <a:latin typeface="Myrica M" panose="020B0509020203020207" pitchFamily="49" charset="-128"/>
+                <a:ea typeface="Myrica M" panose="020B0509020203020207" pitchFamily="49" charset="-128"/>
+                <a:cs typeface="Myrica M" panose="020B0509020203020207" pitchFamily="49" charset="-128"/>
+              </a:rPr>
+              <a:t>        j := j + 1;</a:t>
+            </a:r>
+          </a:p>
+          <a:p>
+            <a:r>
+              <a:rPr lang="en-US" altLang="ja-JP" sz="2000" dirty="0">
+                <a:latin typeface="Myrica M" panose="020B0509020203020207" pitchFamily="49" charset="-128"/>
+                <a:ea typeface="Myrica M" panose="020B0509020203020207" pitchFamily="49" charset="-128"/>
+                <a:cs typeface="Myrica M" panose="020B0509020203020207" pitchFamily="49" charset="-128"/>
+              </a:rPr>
+              <a:t>    }</a:t>
+            </a:r>
+          </a:p>
+          <a:p>
+            <a:r>
+              <a:rPr lang="en-US" altLang="ja-JP" sz="2000" dirty="0">
+                <a:latin typeface="Myrica M" panose="020B0509020203020207" pitchFamily="49" charset="-128"/>
+                <a:ea typeface="Myrica M" panose="020B0509020203020207" pitchFamily="49" charset="-128"/>
+                <a:cs typeface="Myrica M" panose="020B0509020203020207" pitchFamily="49" charset="-128"/>
+              </a:rPr>
+              <a:t>    </a:t>
+            </a:r>
+            <a:r>
+              <a:rPr lang="en-US" altLang="ja-JP" sz="2000" dirty="0" err="1">
+                <a:latin typeface="Myrica M" panose="020B0509020203020207" pitchFamily="49" charset="-128"/>
+                <a:ea typeface="Myrica M" panose="020B0509020203020207" pitchFamily="49" charset="-128"/>
+                <a:cs typeface="Myrica M" panose="020B0509020203020207" pitchFamily="49" charset="-128"/>
+              </a:rPr>
+              <a:t>i</a:t>
+            </a:r>
+            <a:r>
+              <a:rPr lang="en-US" altLang="ja-JP" sz="2000" dirty="0">
+                <a:latin typeface="Myrica M" panose="020B0509020203020207" pitchFamily="49" charset="-128"/>
+                <a:ea typeface="Myrica M" panose="020B0509020203020207" pitchFamily="49" charset="-128"/>
+                <a:cs typeface="Myrica M" panose="020B0509020203020207" pitchFamily="49" charset="-128"/>
+              </a:rPr>
+              <a:t> := </a:t>
+            </a:r>
+            <a:r>
+              <a:rPr lang="en-US" altLang="ja-JP" sz="2000" dirty="0" err="1">
+                <a:latin typeface="Myrica M" panose="020B0509020203020207" pitchFamily="49" charset="-128"/>
+                <a:ea typeface="Myrica M" panose="020B0509020203020207" pitchFamily="49" charset="-128"/>
+                <a:cs typeface="Myrica M" panose="020B0509020203020207" pitchFamily="49" charset="-128"/>
+              </a:rPr>
+              <a:t>i</a:t>
+            </a:r>
+            <a:r>
+              <a:rPr lang="en-US" altLang="ja-JP" sz="2000" dirty="0">
+                <a:latin typeface="Myrica M" panose="020B0509020203020207" pitchFamily="49" charset="-128"/>
+                <a:ea typeface="Myrica M" panose="020B0509020203020207" pitchFamily="49" charset="-128"/>
+                <a:cs typeface="Myrica M" panose="020B0509020203020207" pitchFamily="49" charset="-128"/>
+              </a:rPr>
+              <a:t> + 1;</a:t>
+            </a:r>
+          </a:p>
+          <a:p>
+            <a:r>
+              <a:rPr lang="en-US" altLang="ja-JP" sz="2000" dirty="0">
+                <a:latin typeface="Myrica M" panose="020B0509020203020207" pitchFamily="49" charset="-128"/>
+                <a:ea typeface="Myrica M" panose="020B0509020203020207" pitchFamily="49" charset="-128"/>
+                <a:cs typeface="Myrica M" panose="020B0509020203020207" pitchFamily="49" charset="-128"/>
+              </a:rPr>
+              <a:t>}</a:t>
+            </a:r>
+          </a:p>
+        </p:txBody>
+      </p:sp>
+      <p:sp>
+        <p:nvSpPr>
+          <p:cNvPr id="4" name="テキスト ボックス 3"/>
+          <p:cNvSpPr txBox="1"/>
+          <p:nvPr/>
+        </p:nvSpPr>
+        <p:spPr>
+          <a:xfrm>
+            <a:off x="456687" y="354992"/>
+            <a:ext cx="783772" cy="5232202"/>
+          </a:xfrm>
+          <a:prstGeom prst="rect">
+            <a:avLst/>
+          </a:prstGeom>
+          <a:noFill/>
+        </p:spPr>
+        <p:txBody>
+          <a:bodyPr wrap="square" lIns="0" tIns="0" rIns="0" bIns="0" rtlCol="0">
+            <a:spAutoFit/>
+          </a:bodyPr>
+          <a:lstStyle/>
+          <a:p>
+            <a:pPr algn="ctr"/>
+            <a:r>
+              <a:rPr kumimoji="1" lang="en-US" altLang="ja-JP" sz="2000" b="1" dirty="0" smtClean="0">
+                <a:solidFill>
+                  <a:srgbClr val="FF0000"/>
+                </a:solidFill>
+                <a:latin typeface="Myrica M" panose="020B0509020203020207" pitchFamily="49" charset="-128"/>
+                <a:ea typeface="Myrica M" panose="020B0509020203020207" pitchFamily="49" charset="-128"/>
+                <a:cs typeface="Myrica M" panose="020B0509020203020207" pitchFamily="49" charset="-128"/>
+              </a:rPr>
+              <a:t>(1)</a:t>
+            </a:r>
+          </a:p>
+          <a:p>
+            <a:pPr algn="ctr"/>
+            <a:r>
+              <a:rPr lang="en-US" altLang="ja-JP" sz="2000" b="1" dirty="0" smtClean="0">
+                <a:solidFill>
+                  <a:srgbClr val="FF0000"/>
+                </a:solidFill>
+                <a:latin typeface="Myrica M" panose="020B0509020203020207" pitchFamily="49" charset="-128"/>
+                <a:ea typeface="Myrica M" panose="020B0509020203020207" pitchFamily="49" charset="-128"/>
+                <a:cs typeface="Myrica M" panose="020B0509020203020207" pitchFamily="49" charset="-128"/>
+              </a:rPr>
+              <a:t>(2)</a:t>
+            </a:r>
+          </a:p>
+          <a:p>
+            <a:pPr algn="ctr"/>
+            <a:r>
+              <a:rPr kumimoji="1" lang="en-US" altLang="ja-JP" sz="2000" b="1" dirty="0" smtClean="0">
+                <a:solidFill>
+                  <a:srgbClr val="FF0000"/>
+                </a:solidFill>
+                <a:latin typeface="Myrica M" panose="020B0509020203020207" pitchFamily="49" charset="-128"/>
+                <a:ea typeface="Myrica M" panose="020B0509020203020207" pitchFamily="49" charset="-128"/>
+                <a:cs typeface="Myrica M" panose="020B0509020203020207" pitchFamily="49" charset="-128"/>
+              </a:rPr>
+              <a:t>(3)</a:t>
+            </a:r>
+          </a:p>
+          <a:p>
+            <a:pPr algn="ctr"/>
+            <a:r>
+              <a:rPr kumimoji="1" lang="en-US" altLang="ja-JP" sz="2000" b="1" dirty="0" smtClean="0">
+                <a:solidFill>
+                  <a:srgbClr val="FF0000"/>
+                </a:solidFill>
+                <a:latin typeface="Myrica M" panose="020B0509020203020207" pitchFamily="49" charset="-128"/>
+                <a:ea typeface="Myrica M" panose="020B0509020203020207" pitchFamily="49" charset="-128"/>
+                <a:cs typeface="Myrica M" panose="020B0509020203020207" pitchFamily="49" charset="-128"/>
+              </a:rPr>
+              <a:t>(17)</a:t>
+            </a:r>
+          </a:p>
+          <a:p>
+            <a:pPr algn="ctr"/>
+            <a:r>
+              <a:rPr lang="en-US" altLang="ja-JP" sz="2000" b="1" dirty="0" smtClean="0">
+                <a:solidFill>
+                  <a:srgbClr val="FF0000"/>
+                </a:solidFill>
+                <a:latin typeface="Myrica M" panose="020B0509020203020207" pitchFamily="49" charset="-128"/>
+                <a:ea typeface="Myrica M" panose="020B0509020203020207" pitchFamily="49" charset="-128"/>
+                <a:cs typeface="Myrica M" panose="020B0509020203020207" pitchFamily="49" charset="-128"/>
+              </a:rPr>
+              <a:t>(4)</a:t>
+            </a:r>
+          </a:p>
+          <a:p>
+            <a:pPr algn="ctr"/>
+            <a:r>
+              <a:rPr kumimoji="1" lang="en-US" altLang="ja-JP" sz="2000" b="1" dirty="0" smtClean="0">
+                <a:solidFill>
+                  <a:srgbClr val="FF0000"/>
+                </a:solidFill>
+                <a:latin typeface="Myrica M" panose="020B0509020203020207" pitchFamily="49" charset="-128"/>
+                <a:ea typeface="Myrica M" panose="020B0509020203020207" pitchFamily="49" charset="-128"/>
+                <a:cs typeface="Myrica M" panose="020B0509020203020207" pitchFamily="49" charset="-128"/>
+              </a:rPr>
+              <a:t>(17)</a:t>
+            </a:r>
+          </a:p>
+          <a:p>
+            <a:pPr algn="ctr"/>
+            <a:r>
+              <a:rPr lang="en-US" altLang="ja-JP" sz="2000" b="1" dirty="0" smtClean="0">
+                <a:solidFill>
+                  <a:srgbClr val="FF0000"/>
+                </a:solidFill>
+                <a:latin typeface="Myrica M" panose="020B0509020203020207" pitchFamily="49" charset="-128"/>
+                <a:ea typeface="Myrica M" panose="020B0509020203020207" pitchFamily="49" charset="-128"/>
+                <a:cs typeface="Myrica M" panose="020B0509020203020207" pitchFamily="49" charset="-128"/>
+              </a:rPr>
+              <a:t>(15)</a:t>
+            </a:r>
+          </a:p>
+          <a:p>
+            <a:pPr algn="ctr"/>
+            <a:r>
+              <a:rPr kumimoji="1" lang="en-US" altLang="ja-JP" sz="2000" b="1" dirty="0" smtClean="0">
+                <a:solidFill>
+                  <a:srgbClr val="FF0000"/>
+                </a:solidFill>
+                <a:latin typeface="Myrica M" panose="020B0509020203020207" pitchFamily="49" charset="-128"/>
+                <a:ea typeface="Myrica M" panose="020B0509020203020207" pitchFamily="49" charset="-128"/>
+                <a:cs typeface="Myrica M" panose="020B0509020203020207" pitchFamily="49" charset="-128"/>
+              </a:rPr>
+              <a:t>(13)</a:t>
+            </a:r>
+          </a:p>
+          <a:p>
+            <a:pPr algn="ctr"/>
+            <a:r>
+              <a:rPr lang="en-US" altLang="ja-JP" sz="2000" b="1" dirty="0" smtClean="0">
+                <a:solidFill>
+                  <a:srgbClr val="FF0000"/>
+                </a:solidFill>
+                <a:latin typeface="Myrica M" panose="020B0509020203020207" pitchFamily="49" charset="-128"/>
+                <a:ea typeface="Myrica M" panose="020B0509020203020207" pitchFamily="49" charset="-128"/>
+                <a:cs typeface="Myrica M" panose="020B0509020203020207" pitchFamily="49" charset="-128"/>
+              </a:rPr>
+              <a:t>(9)</a:t>
+            </a:r>
+          </a:p>
+          <a:p>
+            <a:pPr algn="ctr"/>
+            <a:r>
+              <a:rPr kumimoji="1" lang="en-US" altLang="ja-JP" sz="2000" b="1" dirty="0" smtClean="0">
+                <a:solidFill>
+                  <a:srgbClr val="FF0000"/>
+                </a:solidFill>
+                <a:latin typeface="Myrica M" panose="020B0509020203020207" pitchFamily="49" charset="-128"/>
+                <a:ea typeface="Myrica M" panose="020B0509020203020207" pitchFamily="49" charset="-128"/>
+                <a:cs typeface="Myrica M" panose="020B0509020203020207" pitchFamily="49" charset="-128"/>
+              </a:rPr>
+              <a:t>(7)</a:t>
+            </a:r>
+          </a:p>
+          <a:p>
+            <a:pPr algn="ctr"/>
+            <a:r>
+              <a:rPr lang="en-US" altLang="ja-JP" sz="2000" b="1" dirty="0" smtClean="0">
+                <a:solidFill>
+                  <a:srgbClr val="FF0000"/>
+                </a:solidFill>
+                <a:latin typeface="Myrica M" panose="020B0509020203020207" pitchFamily="49" charset="-128"/>
+                <a:ea typeface="Myrica M" panose="020B0509020203020207" pitchFamily="49" charset="-128"/>
+                <a:cs typeface="Myrica M" panose="020B0509020203020207" pitchFamily="49" charset="-128"/>
+              </a:rPr>
+              <a:t>(11)</a:t>
+            </a:r>
+          </a:p>
+          <a:p>
+            <a:pPr algn="ctr"/>
+            <a:r>
+              <a:rPr kumimoji="1" lang="en-US" altLang="ja-JP" sz="2000" b="1" dirty="0" smtClean="0">
+                <a:solidFill>
+                  <a:srgbClr val="FF0000"/>
+                </a:solidFill>
+                <a:latin typeface="Myrica M" panose="020B0509020203020207" pitchFamily="49" charset="-128"/>
+                <a:ea typeface="Myrica M" panose="020B0509020203020207" pitchFamily="49" charset="-128"/>
+                <a:cs typeface="Myrica M" panose="020B0509020203020207" pitchFamily="49" charset="-128"/>
+              </a:rPr>
+              <a:t>(18)</a:t>
+            </a:r>
+          </a:p>
+          <a:p>
+            <a:pPr algn="ctr"/>
+            <a:r>
+              <a:rPr lang="en-US" altLang="ja-JP" sz="2000" b="1" dirty="0" smtClean="0">
+                <a:solidFill>
+                  <a:srgbClr val="FF0000"/>
+                </a:solidFill>
+                <a:latin typeface="Myrica M" panose="020B0509020203020207" pitchFamily="49" charset="-128"/>
+                <a:ea typeface="Myrica M" panose="020B0509020203020207" pitchFamily="49" charset="-128"/>
+                <a:cs typeface="Myrica M" panose="020B0509020203020207" pitchFamily="49" charset="-128"/>
+              </a:rPr>
+              <a:t>(18)</a:t>
+            </a:r>
+          </a:p>
+          <a:p>
+            <a:pPr algn="ctr"/>
+            <a:r>
+              <a:rPr kumimoji="1" lang="en-US" altLang="ja-JP" sz="2000" b="1" dirty="0" smtClean="0">
+                <a:solidFill>
+                  <a:srgbClr val="FF0000"/>
+                </a:solidFill>
+                <a:latin typeface="Myrica M" panose="020B0509020203020207" pitchFamily="49" charset="-128"/>
+                <a:ea typeface="Myrica M" panose="020B0509020203020207" pitchFamily="49" charset="-128"/>
+                <a:cs typeface="Myrica M" panose="020B0509020203020207" pitchFamily="49" charset="-128"/>
+              </a:rPr>
+              <a:t>(6)</a:t>
+            </a:r>
+          </a:p>
+          <a:p>
+            <a:pPr algn="ctr"/>
+            <a:r>
+              <a:rPr lang="en-US" altLang="ja-JP" sz="2000" b="1" dirty="0" smtClean="0">
+                <a:solidFill>
+                  <a:srgbClr val="FF0000"/>
+                </a:solidFill>
+                <a:latin typeface="Myrica M" panose="020B0509020203020207" pitchFamily="49" charset="-128"/>
+                <a:ea typeface="Myrica M" panose="020B0509020203020207" pitchFamily="49" charset="-128"/>
+                <a:cs typeface="Myrica M" panose="020B0509020203020207" pitchFamily="49" charset="-128"/>
+              </a:rPr>
+              <a:t>(18)</a:t>
+            </a:r>
+          </a:p>
+          <a:p>
+            <a:pPr algn="ctr"/>
+            <a:r>
+              <a:rPr kumimoji="1" lang="en-US" altLang="ja-JP" sz="2000" b="1" dirty="0" smtClean="0">
+                <a:solidFill>
+                  <a:srgbClr val="FF0000"/>
+                </a:solidFill>
+                <a:latin typeface="Myrica M" panose="020B0509020203020207" pitchFamily="49" charset="-128"/>
+                <a:ea typeface="Myrica M" panose="020B0509020203020207" pitchFamily="49" charset="-128"/>
+                <a:cs typeface="Myrica M" panose="020B0509020203020207" pitchFamily="49" charset="-128"/>
+              </a:rPr>
+              <a:t>(5)</a:t>
+            </a:r>
+          </a:p>
+          <a:p>
+            <a:pPr algn="ctr"/>
+            <a:r>
+              <a:rPr lang="en-US" altLang="ja-JP" sz="2000" b="1" dirty="0" smtClean="0">
+                <a:solidFill>
+                  <a:srgbClr val="FF0000"/>
+                </a:solidFill>
+                <a:latin typeface="Myrica M" panose="020B0509020203020207" pitchFamily="49" charset="-128"/>
+                <a:ea typeface="Myrica M" panose="020B0509020203020207" pitchFamily="49" charset="-128"/>
+                <a:cs typeface="Myrica M" panose="020B0509020203020207" pitchFamily="49" charset="-128"/>
+              </a:rPr>
+              <a:t>(18)</a:t>
+            </a:r>
+            <a:endParaRPr kumimoji="1" lang="ja-JP" altLang="en-US" sz="2000" b="1" dirty="0">
+              <a:solidFill>
+                <a:srgbClr val="FF0000"/>
+              </a:solidFill>
+              <a:latin typeface="Myrica M" panose="020B0509020203020207" pitchFamily="49" charset="-128"/>
+              <a:ea typeface="Myrica M" panose="020B0509020203020207" pitchFamily="49" charset="-128"/>
+              <a:cs typeface="Myrica M" panose="020B0509020203020207" pitchFamily="49" charset="-128"/>
+            </a:endParaRPr>
+          </a:p>
+        </p:txBody>
+      </p:sp>
+      <p:sp>
+        <p:nvSpPr>
+          <p:cNvPr id="5" name="テキスト ボックス 4"/>
+          <p:cNvSpPr txBox="1"/>
+          <p:nvPr/>
+        </p:nvSpPr>
+        <p:spPr>
+          <a:xfrm>
+            <a:off x="7677399" y="2759086"/>
+            <a:ext cx="3154184" cy="1631216"/>
+          </a:xfrm>
+          <a:prstGeom prst="rect">
+            <a:avLst/>
+          </a:prstGeom>
+          <a:noFill/>
+        </p:spPr>
+        <p:txBody>
+          <a:bodyPr wrap="square" rtlCol="0">
+            <a:spAutoFit/>
+          </a:bodyPr>
+          <a:lstStyle/>
+          <a:p>
+            <a:r>
+              <a:rPr lang="en-US" altLang="ja-JP" sz="2000" dirty="0" err="1" smtClean="0">
+                <a:latin typeface="Myrica M" panose="020B0509020203020207" pitchFamily="49" charset="-128"/>
+                <a:ea typeface="Myrica M" panose="020B0509020203020207" pitchFamily="49" charset="-128"/>
+                <a:cs typeface="Myrica M" panose="020B0509020203020207" pitchFamily="49" charset="-128"/>
+              </a:rPr>
+              <a:t>tmp</a:t>
+            </a:r>
+            <a:r>
+              <a:rPr lang="en-US" altLang="ja-JP" sz="2000" dirty="0" smtClean="0">
+                <a:latin typeface="Myrica M" panose="020B0509020203020207" pitchFamily="49" charset="-128"/>
+                <a:ea typeface="Myrica M" panose="020B0509020203020207" pitchFamily="49" charset="-128"/>
+                <a:cs typeface="Myrica M" panose="020B0509020203020207" pitchFamily="49" charset="-128"/>
+              </a:rPr>
+              <a:t> </a:t>
+            </a:r>
+            <a:r>
+              <a:rPr lang="en-US" altLang="ja-JP" sz="2000" dirty="0">
+                <a:latin typeface="Myrica M" panose="020B0509020203020207" pitchFamily="49" charset="-128"/>
+                <a:ea typeface="Myrica M" panose="020B0509020203020207" pitchFamily="49" charset="-128"/>
+                <a:cs typeface="Myrica M" panose="020B0509020203020207" pitchFamily="49" charset="-128"/>
+              </a:rPr>
+              <a:t>:= </a:t>
+            </a:r>
+            <a:r>
+              <a:rPr lang="en-US" altLang="ja-JP" sz="2000" dirty="0" smtClean="0">
+                <a:latin typeface="Myrica M" panose="020B0509020203020207" pitchFamily="49" charset="-128"/>
+                <a:ea typeface="Myrica M" panose="020B0509020203020207" pitchFamily="49" charset="-128"/>
+                <a:cs typeface="Myrica M" panose="020B0509020203020207" pitchFamily="49" charset="-128"/>
+              </a:rPr>
+              <a:t>a[j + 1];</a:t>
+            </a:r>
+            <a:endParaRPr lang="en-US" altLang="ja-JP" sz="2000" dirty="0">
+              <a:latin typeface="Myrica M" panose="020B0509020203020207" pitchFamily="49" charset="-128"/>
+              <a:ea typeface="Myrica M" panose="020B0509020203020207" pitchFamily="49" charset="-128"/>
+              <a:cs typeface="Myrica M" panose="020B0509020203020207" pitchFamily="49" charset="-128"/>
+            </a:endParaRPr>
+          </a:p>
+          <a:p>
+            <a:r>
+              <a:rPr lang="en-US" altLang="ja-JP" sz="2000" dirty="0" smtClean="0">
+                <a:latin typeface="Myrica M" panose="020B0509020203020207" pitchFamily="49" charset="-128"/>
+                <a:ea typeface="Myrica M" panose="020B0509020203020207" pitchFamily="49" charset="-128"/>
+                <a:cs typeface="Myrica M" panose="020B0509020203020207" pitchFamily="49" charset="-128"/>
+              </a:rPr>
+              <a:t>a[j + 1] </a:t>
+            </a:r>
+            <a:r>
+              <a:rPr lang="en-US" altLang="ja-JP" sz="2000" dirty="0">
+                <a:latin typeface="Myrica M" panose="020B0509020203020207" pitchFamily="49" charset="-128"/>
+                <a:ea typeface="Myrica M" panose="020B0509020203020207" pitchFamily="49" charset="-128"/>
+                <a:cs typeface="Myrica M" panose="020B0509020203020207" pitchFamily="49" charset="-128"/>
+              </a:rPr>
+              <a:t>:= </a:t>
+            </a:r>
+            <a:r>
+              <a:rPr lang="en-US" altLang="ja-JP" sz="2000" dirty="0" smtClean="0">
+                <a:latin typeface="Myrica M" panose="020B0509020203020207" pitchFamily="49" charset="-128"/>
+                <a:ea typeface="Myrica M" panose="020B0509020203020207" pitchFamily="49" charset="-128"/>
+                <a:cs typeface="Myrica M" panose="020B0509020203020207" pitchFamily="49" charset="-128"/>
+              </a:rPr>
+              <a:t>a[j];</a:t>
+            </a:r>
+            <a:endParaRPr lang="en-US" altLang="ja-JP" sz="2000" dirty="0">
+              <a:latin typeface="Myrica M" panose="020B0509020203020207" pitchFamily="49" charset="-128"/>
+              <a:ea typeface="Myrica M" panose="020B0509020203020207" pitchFamily="49" charset="-128"/>
+              <a:cs typeface="Myrica M" panose="020B0509020203020207" pitchFamily="49" charset="-128"/>
+            </a:endParaRPr>
+          </a:p>
+          <a:p>
+            <a:r>
+              <a:rPr lang="en-US" altLang="ja-JP" sz="2000" dirty="0" smtClean="0">
+                <a:latin typeface="Myrica M" panose="020B0509020203020207" pitchFamily="49" charset="-128"/>
+                <a:ea typeface="Myrica M" panose="020B0509020203020207" pitchFamily="49" charset="-128"/>
+                <a:cs typeface="Myrica M" panose="020B0509020203020207" pitchFamily="49" charset="-128"/>
+              </a:rPr>
+              <a:t>a[j] </a:t>
+            </a:r>
+            <a:r>
+              <a:rPr lang="en-US" altLang="ja-JP" sz="2000" dirty="0">
+                <a:latin typeface="Myrica M" panose="020B0509020203020207" pitchFamily="49" charset="-128"/>
+                <a:ea typeface="Myrica M" panose="020B0509020203020207" pitchFamily="49" charset="-128"/>
+                <a:cs typeface="Myrica M" panose="020B0509020203020207" pitchFamily="49" charset="-128"/>
+              </a:rPr>
+              <a:t>:= </a:t>
+            </a:r>
+            <a:r>
+              <a:rPr lang="en-US" altLang="ja-JP" sz="2000" dirty="0" err="1">
+                <a:latin typeface="Myrica M" panose="020B0509020203020207" pitchFamily="49" charset="-128"/>
+                <a:ea typeface="Myrica M" panose="020B0509020203020207" pitchFamily="49" charset="-128"/>
+                <a:cs typeface="Myrica M" panose="020B0509020203020207" pitchFamily="49" charset="-128"/>
+              </a:rPr>
+              <a:t>tmp</a:t>
+            </a:r>
+            <a:r>
+              <a:rPr lang="en-US" altLang="ja-JP" sz="2000" dirty="0" smtClean="0">
+                <a:latin typeface="Myrica M" panose="020B0509020203020207" pitchFamily="49" charset="-128"/>
+                <a:ea typeface="Myrica M" panose="020B0509020203020207" pitchFamily="49" charset="-128"/>
+                <a:cs typeface="Myrica M" panose="020B0509020203020207" pitchFamily="49" charset="-128"/>
+              </a:rPr>
+              <a:t>;</a:t>
+            </a:r>
+          </a:p>
+          <a:p>
+            <a:r>
+              <a:rPr lang="en-US" altLang="ja-JP" sz="2000" dirty="0" smtClean="0">
+                <a:latin typeface="Myrica M" panose="020B0509020203020207" pitchFamily="49" charset="-128"/>
+                <a:ea typeface="Myrica M" panose="020B0509020203020207" pitchFamily="49" charset="-128"/>
+                <a:cs typeface="Myrica M" panose="020B0509020203020207" pitchFamily="49" charset="-128"/>
+              </a:rPr>
+              <a:t>a[j] := </a:t>
+            </a:r>
+            <a:r>
+              <a:rPr lang="en-US" altLang="ja-JP" sz="2000" dirty="0" err="1" smtClean="0">
+                <a:latin typeface="Myrica M" panose="020B0509020203020207" pitchFamily="49" charset="-128"/>
+                <a:ea typeface="Myrica M" panose="020B0509020203020207" pitchFamily="49" charset="-128"/>
+                <a:cs typeface="Myrica M" panose="020B0509020203020207" pitchFamily="49" charset="-128"/>
+              </a:rPr>
+              <a:t>tmp</a:t>
+            </a:r>
+            <a:r>
+              <a:rPr lang="en-US" altLang="ja-JP" sz="2000" dirty="0" smtClean="0">
+                <a:latin typeface="Myrica M" panose="020B0509020203020207" pitchFamily="49" charset="-128"/>
+                <a:ea typeface="Myrica M" panose="020B0509020203020207" pitchFamily="49" charset="-128"/>
+                <a:cs typeface="Myrica M" panose="020B0509020203020207" pitchFamily="49" charset="-128"/>
+              </a:rPr>
+              <a:t>;</a:t>
+            </a:r>
+          </a:p>
+          <a:p>
+            <a:r>
+              <a:rPr lang="en-US" altLang="ja-JP" sz="2000" dirty="0">
+                <a:latin typeface="Myrica M" panose="020B0509020203020207" pitchFamily="49" charset="-128"/>
+                <a:ea typeface="Myrica M" panose="020B0509020203020207" pitchFamily="49" charset="-128"/>
+                <a:cs typeface="Myrica M" panose="020B0509020203020207" pitchFamily="49" charset="-128"/>
+              </a:rPr>
+              <a:t> </a:t>
+            </a:r>
+            <a:r>
+              <a:rPr lang="en-US" altLang="ja-JP" sz="2000" dirty="0" smtClean="0">
+                <a:latin typeface="Myrica M" panose="020B0509020203020207" pitchFamily="49" charset="-128"/>
+                <a:ea typeface="Myrica M" panose="020B0509020203020207" pitchFamily="49" charset="-128"/>
+                <a:cs typeface="Myrica M" panose="020B0509020203020207" pitchFamily="49" charset="-128"/>
+              </a:rPr>
+              <a:t>               </a:t>
+            </a:r>
+            <a:endParaRPr lang="en-US" altLang="ja-JP" sz="2000" dirty="0">
+              <a:latin typeface="Myrica M" panose="020B0509020203020207" pitchFamily="49" charset="-128"/>
+              <a:ea typeface="Myrica M" panose="020B0509020203020207" pitchFamily="49" charset="-128"/>
+              <a:cs typeface="Myrica M" panose="020B0509020203020207" pitchFamily="49" charset="-128"/>
+            </a:endParaRPr>
+          </a:p>
+        </p:txBody>
+      </p:sp>
+      <p:sp>
+        <p:nvSpPr>
+          <p:cNvPr id="6" name="テキスト ボックス 5"/>
+          <p:cNvSpPr txBox="1"/>
+          <p:nvPr/>
+        </p:nvSpPr>
+        <p:spPr>
+          <a:xfrm>
+            <a:off x="6893627" y="2805253"/>
+            <a:ext cx="783772" cy="1231106"/>
+          </a:xfrm>
+          <a:prstGeom prst="rect">
+            <a:avLst/>
+          </a:prstGeom>
+          <a:noFill/>
+        </p:spPr>
+        <p:txBody>
+          <a:bodyPr wrap="square" lIns="0" tIns="0" rIns="0" bIns="0" rtlCol="0">
+            <a:spAutoFit/>
+          </a:bodyPr>
+          <a:lstStyle/>
+          <a:p>
+            <a:pPr algn="ctr"/>
+            <a:r>
+              <a:rPr lang="en-US" altLang="ja-JP" sz="2000" b="1" dirty="0" smtClean="0">
+                <a:solidFill>
+                  <a:srgbClr val="FF0000"/>
+                </a:solidFill>
+                <a:latin typeface="Myrica M" panose="020B0509020203020207" pitchFamily="49" charset="-128"/>
+                <a:ea typeface="Myrica M" panose="020B0509020203020207" pitchFamily="49" charset="-128"/>
+                <a:cs typeface="Myrica M" panose="020B0509020203020207" pitchFamily="49" charset="-128"/>
+              </a:rPr>
+              <a:t>(12)</a:t>
+            </a:r>
+            <a:endParaRPr lang="en-US" altLang="ja-JP" sz="2000" b="1" dirty="0" smtClean="0">
+              <a:solidFill>
+                <a:srgbClr val="FF0000"/>
+              </a:solidFill>
+              <a:latin typeface="Myrica M" panose="020B0509020203020207" pitchFamily="49" charset="-128"/>
+              <a:ea typeface="Myrica M" panose="020B0509020203020207" pitchFamily="49" charset="-128"/>
+              <a:cs typeface="Myrica M" panose="020B0509020203020207" pitchFamily="49" charset="-128"/>
+            </a:endParaRPr>
+          </a:p>
+          <a:p>
+            <a:pPr algn="ctr"/>
+            <a:r>
+              <a:rPr kumimoji="1" lang="en-US" altLang="ja-JP" sz="2000" b="1" dirty="0" smtClean="0">
+                <a:solidFill>
+                  <a:srgbClr val="FF0000"/>
+                </a:solidFill>
+                <a:latin typeface="Myrica M" panose="020B0509020203020207" pitchFamily="49" charset="-128"/>
+                <a:ea typeface="Myrica M" panose="020B0509020203020207" pitchFamily="49" charset="-128"/>
+                <a:cs typeface="Myrica M" panose="020B0509020203020207" pitchFamily="49" charset="-128"/>
+              </a:rPr>
+              <a:t>(8)</a:t>
+            </a:r>
+            <a:endParaRPr kumimoji="1" lang="en-US" altLang="ja-JP" sz="2000" b="1" dirty="0" smtClean="0">
+              <a:solidFill>
+                <a:srgbClr val="FF0000"/>
+              </a:solidFill>
+              <a:latin typeface="Myrica M" panose="020B0509020203020207" pitchFamily="49" charset="-128"/>
+              <a:ea typeface="Myrica M" panose="020B0509020203020207" pitchFamily="49" charset="-128"/>
+              <a:cs typeface="Myrica M" panose="020B0509020203020207" pitchFamily="49" charset="-128"/>
+            </a:endParaRPr>
+          </a:p>
+          <a:p>
+            <a:pPr algn="ctr"/>
+            <a:r>
+              <a:rPr lang="en-US" altLang="ja-JP" sz="2000" b="1" dirty="0" smtClean="0">
+                <a:solidFill>
+                  <a:srgbClr val="FF0000"/>
+                </a:solidFill>
+                <a:latin typeface="Myrica M" panose="020B0509020203020207" pitchFamily="49" charset="-128"/>
+                <a:ea typeface="Myrica M" panose="020B0509020203020207" pitchFamily="49" charset="-128"/>
+                <a:cs typeface="Myrica M" panose="020B0509020203020207" pitchFamily="49" charset="-128"/>
+              </a:rPr>
+              <a:t>(</a:t>
+            </a:r>
+            <a:r>
+              <a:rPr lang="en-US" altLang="ja-JP" sz="2000" b="1" dirty="0" smtClean="0">
+                <a:solidFill>
+                  <a:srgbClr val="FF0000"/>
+                </a:solidFill>
+                <a:latin typeface="Myrica M" panose="020B0509020203020207" pitchFamily="49" charset="-128"/>
+                <a:ea typeface="Myrica M" panose="020B0509020203020207" pitchFamily="49" charset="-128"/>
+                <a:cs typeface="Myrica M" panose="020B0509020203020207" pitchFamily="49" charset="-128"/>
+              </a:rPr>
+              <a:t>10)</a:t>
+            </a:r>
+          </a:p>
+          <a:p>
+            <a:pPr algn="ctr"/>
+            <a:r>
+              <a:rPr lang="en-US" altLang="ja-JP" sz="2000" b="1" dirty="0" smtClean="0">
+                <a:solidFill>
+                  <a:srgbClr val="FF0000"/>
+                </a:solidFill>
+                <a:latin typeface="Myrica M" panose="020B0509020203020207" pitchFamily="49" charset="-128"/>
+                <a:ea typeface="Myrica M" panose="020B0509020203020207" pitchFamily="49" charset="-128"/>
+                <a:cs typeface="Myrica M" panose="020B0509020203020207" pitchFamily="49" charset="-128"/>
+              </a:rPr>
+              <a:t>(10)</a:t>
+            </a:r>
+            <a:endParaRPr lang="en-US" altLang="ja-JP" sz="2000" b="1" dirty="0" smtClean="0">
+              <a:solidFill>
+                <a:srgbClr val="FF0000"/>
+              </a:solidFill>
+              <a:latin typeface="Myrica M" panose="020B0509020203020207" pitchFamily="49" charset="-128"/>
+              <a:ea typeface="Myrica M" panose="020B0509020203020207" pitchFamily="49" charset="-128"/>
+              <a:cs typeface="Myrica M" panose="020B0509020203020207" pitchFamily="49" charset="-128"/>
+            </a:endParaRPr>
+          </a:p>
+        </p:txBody>
+      </p:sp>
+      <p:sp>
+        <p:nvSpPr>
+          <p:cNvPr id="7" name="正方形/長方形 6"/>
+          <p:cNvSpPr/>
+          <p:nvPr/>
+        </p:nvSpPr>
+        <p:spPr>
+          <a:xfrm>
+            <a:off x="363254" y="2759086"/>
+            <a:ext cx="5849655" cy="998722"/>
+          </a:xfrm>
+          <a:prstGeom prst="rect">
+            <a:avLst/>
+          </a:prstGeom>
+          <a:noFill/>
+          <a:ln w="38100">
+            <a:solidFill>
+              <a:srgbClr val="00B0F0"/>
+            </a:solidFill>
+          </a:ln>
+        </p:spPr>
+        <p:style>
+          <a:lnRef idx="2">
+            <a:schemeClr val="accent1">
+              <a:shade val="50000"/>
+            </a:schemeClr>
+          </a:lnRef>
+          <a:fillRef idx="1">
+            <a:schemeClr val="accent1"/>
+          </a:fillRef>
+          <a:effectRef idx="0">
+            <a:schemeClr val="accent1"/>
+          </a:effectRef>
+          <a:fontRef idx="minor">
+            <a:schemeClr val="lt1"/>
+          </a:fontRef>
+        </p:style>
+        <p:txBody>
+          <a:bodyPr rtlCol="0" anchor="ctr"/>
+          <a:lstStyle/>
+          <a:p>
+            <a:pPr algn="ctr"/>
+            <a:endParaRPr kumimoji="1" lang="ja-JP" altLang="en-US"/>
+          </a:p>
+        </p:txBody>
+      </p:sp>
+      <p:sp>
+        <p:nvSpPr>
+          <p:cNvPr id="8" name="正方形/長方形 7"/>
+          <p:cNvSpPr/>
+          <p:nvPr/>
+        </p:nvSpPr>
+        <p:spPr>
+          <a:xfrm>
+            <a:off x="6893627" y="2759086"/>
+            <a:ext cx="3553080" cy="1449659"/>
+          </a:xfrm>
+          <a:prstGeom prst="rect">
+            <a:avLst/>
+          </a:prstGeom>
+          <a:noFill/>
+          <a:ln w="38100">
+            <a:solidFill>
+              <a:srgbClr val="00B0F0"/>
+            </a:solidFill>
+          </a:ln>
+        </p:spPr>
+        <p:style>
+          <a:lnRef idx="2">
+            <a:schemeClr val="accent1">
+              <a:shade val="50000"/>
+            </a:schemeClr>
+          </a:lnRef>
+          <a:fillRef idx="1">
+            <a:schemeClr val="accent1"/>
+          </a:fillRef>
+          <a:effectRef idx="0">
+            <a:schemeClr val="accent1"/>
+          </a:effectRef>
+          <a:fontRef idx="minor">
+            <a:schemeClr val="lt1"/>
+          </a:fontRef>
+        </p:style>
+        <p:txBody>
+          <a:bodyPr rtlCol="0" anchor="ctr"/>
+          <a:lstStyle/>
+          <a:p>
+            <a:pPr algn="ctr"/>
+            <a:endParaRPr kumimoji="1" lang="ja-JP" altLang="en-US"/>
+          </a:p>
+        </p:txBody>
+      </p:sp>
+    </p:spTree>
+    <p:extLst>
+      <p:ext uri="{BB962C8B-B14F-4D97-AF65-F5344CB8AC3E}">
+        <p14:creationId xmlns:p14="http://schemas.microsoft.com/office/powerpoint/2010/main" val="368583689"/>
       </p:ext>
     </p:extLst>
   </p:cSld>

--- a/decks/kbse202103/figs.pptx
+++ b/decks/kbse202103/figs.pptx
@@ -10,6 +10,8 @@
     <p:sldId id="258" r:id="rId4"/>
     <p:sldId id="259" r:id="rId5"/>
     <p:sldId id="260" r:id="rId6"/>
+    <p:sldId id="261" r:id="rId7"/>
+    <p:sldId id="262" r:id="rId8"/>
   </p:sldIdLst>
   <p:sldSz cx="12192000" cy="6858000"/>
   <p:notesSz cx="6858000" cy="9144000"/>
@@ -5451,14 +5453,6 @@
               </a:rPr>
               <a:t>(12)</a:t>
             </a:r>
-            <a:endParaRPr lang="en-US" altLang="ja-JP" sz="2000" b="1" dirty="0" smtClean="0">
-              <a:solidFill>
-                <a:srgbClr val="FF0000"/>
-              </a:solidFill>
-              <a:latin typeface="Myrica M" panose="020B0509020203020207" pitchFamily="49" charset="-128"/>
-              <a:ea typeface="Myrica M" panose="020B0509020203020207" pitchFamily="49" charset="-128"/>
-              <a:cs typeface="Myrica M" panose="020B0509020203020207" pitchFamily="49" charset="-128"/>
-            </a:endParaRPr>
           </a:p>
           <a:p>
             <a:pPr algn="ctr"/>
@@ -5473,14 +5467,6 @@
               </a:rPr>
               <a:t>(8)</a:t>
             </a:r>
-            <a:endParaRPr kumimoji="1" lang="en-US" altLang="ja-JP" sz="2000" b="1" dirty="0" smtClean="0">
-              <a:solidFill>
-                <a:srgbClr val="FF0000"/>
-              </a:solidFill>
-              <a:latin typeface="Myrica M" panose="020B0509020203020207" pitchFamily="49" charset="-128"/>
-              <a:ea typeface="Myrica M" panose="020B0509020203020207" pitchFamily="49" charset="-128"/>
-              <a:cs typeface="Myrica M" panose="020B0509020203020207" pitchFamily="49" charset="-128"/>
-            </a:endParaRPr>
           </a:p>
           <a:p>
             <a:pPr algn="ctr"/>
@@ -5493,8 +5479,11 @@
                 <a:ea typeface="Myrica M" panose="020B0509020203020207" pitchFamily="49" charset="-128"/>
                 <a:cs typeface="Myrica M" panose="020B0509020203020207" pitchFamily="49" charset="-128"/>
               </a:rPr>
-              <a:t>(</a:t>
-            </a:r>
+              <a:t>(10)</a:t>
+            </a:r>
+          </a:p>
+          <a:p>
+            <a:pPr algn="ctr"/>
             <a:r>
               <a:rPr lang="en-US" altLang="ja-JP" sz="2000" b="1" dirty="0" smtClean="0">
                 <a:solidFill>
@@ -5504,30 +5493,8 @@
                 <a:ea typeface="Myrica M" panose="020B0509020203020207" pitchFamily="49" charset="-128"/>
                 <a:cs typeface="Myrica M" panose="020B0509020203020207" pitchFamily="49" charset="-128"/>
               </a:rPr>
-              <a:t>10)</a:t>
-            </a:r>
-          </a:p>
-          <a:p>
-            <a:pPr algn="ctr"/>
-            <a:r>
-              <a:rPr lang="en-US" altLang="ja-JP" sz="2000" b="1" dirty="0" smtClean="0">
-                <a:solidFill>
-                  <a:srgbClr val="FF0000"/>
-                </a:solidFill>
-                <a:latin typeface="Myrica M" panose="020B0509020203020207" pitchFamily="49" charset="-128"/>
-                <a:ea typeface="Myrica M" panose="020B0509020203020207" pitchFamily="49" charset="-128"/>
-                <a:cs typeface="Myrica M" panose="020B0509020203020207" pitchFamily="49" charset="-128"/>
-              </a:rPr>
               <a:t>(10)</a:t>
             </a:r>
-            <a:endParaRPr lang="en-US" altLang="ja-JP" sz="2000" b="1" dirty="0" smtClean="0">
-              <a:solidFill>
-                <a:srgbClr val="FF0000"/>
-              </a:solidFill>
-              <a:latin typeface="Myrica M" panose="020B0509020203020207" pitchFamily="49" charset="-128"/>
-              <a:ea typeface="Myrica M" panose="020B0509020203020207" pitchFamily="49" charset="-128"/>
-              <a:cs typeface="Myrica M" panose="020B0509020203020207" pitchFamily="49" charset="-128"/>
-            </a:endParaRPr>
           </a:p>
         </p:txBody>
       </p:sp>
@@ -5627,6 +5594,772 @@
     <p:extLst>
       <p:ext uri="{BB962C8B-B14F-4D97-AF65-F5344CB8AC3E}">
         <p14:creationId xmlns:p14="http://schemas.microsoft.com/office/powerpoint/2010/main" val="368583689"/>
+      </p:ext>
+    </p:extLst>
+  </p:cSld>
+  <p:clrMapOvr>
+    <a:masterClrMapping/>
+  </p:clrMapOvr>
+  <p:timing>
+    <p:tnLst>
+      <p:par>
+        <p:cTn id="1" dur="indefinite" restart="never" nodeType="tmRoot"/>
+      </p:par>
+    </p:tnLst>
+  </p:timing>
+</p:sld>
+</file>
+
+<file path=ppt/slides/slide6.xml><?xml version="1.0" encoding="utf-8"?>
+<p:sld xmlns:a="http://schemas.openxmlformats.org/drawingml/2006/main" xmlns:r="http://schemas.openxmlformats.org/officeDocument/2006/relationships" xmlns:p="http://schemas.openxmlformats.org/presentationml/2006/main">
+  <p:cSld>
+    <p:spTree>
+      <p:nvGrpSpPr>
+        <p:cNvPr id="1" name=""/>
+        <p:cNvGrpSpPr/>
+        <p:nvPr/>
+      </p:nvGrpSpPr>
+      <p:grpSpPr>
+        <a:xfrm>
+          <a:off x="0" y="0"/>
+          <a:ext cx="0" cy="0"/>
+          <a:chOff x="0" y="0"/>
+          <a:chExt cx="0" cy="0"/>
+        </a:xfrm>
+      </p:grpSpPr>
+      <p:sp>
+        <p:nvSpPr>
+          <p:cNvPr id="3" name="正方形/長方形 2"/>
+          <p:cNvSpPr/>
+          <p:nvPr/>
+        </p:nvSpPr>
+        <p:spPr>
+          <a:xfrm>
+            <a:off x="1465545" y="1753644"/>
+            <a:ext cx="2217107" cy="475989"/>
+          </a:xfrm>
+          <a:prstGeom prst="rect">
+            <a:avLst/>
+          </a:prstGeom>
+        </p:spPr>
+        <p:style>
+          <a:lnRef idx="2">
+            <a:schemeClr val="dk1"/>
+          </a:lnRef>
+          <a:fillRef idx="1">
+            <a:schemeClr val="lt1"/>
+          </a:fillRef>
+          <a:effectRef idx="0">
+            <a:schemeClr val="dk1"/>
+          </a:effectRef>
+          <a:fontRef idx="minor">
+            <a:schemeClr val="dk1"/>
+          </a:fontRef>
+        </p:style>
+        <p:txBody>
+          <a:bodyPr rtlCol="0" anchor="ctr"/>
+          <a:lstStyle/>
+          <a:p>
+            <a:pPr algn="ctr"/>
+            <a:r>
+              <a:rPr kumimoji="1" lang="en-US" altLang="ja-JP" dirty="0" smtClean="0"/>
+              <a:t>[-3, 0, -2, </a:t>
+            </a:r>
+            <a:r>
+              <a:rPr kumimoji="1" lang="en-US" altLang="ja-JP" dirty="0" smtClean="0">
+                <a:solidFill>
+                  <a:srgbClr val="FF0000"/>
+                </a:solidFill>
+              </a:rPr>
+              <a:t>4</a:t>
+            </a:r>
+            <a:r>
+              <a:rPr kumimoji="1" lang="en-US" altLang="ja-JP" dirty="0" smtClean="0"/>
+              <a:t>]</a:t>
+            </a:r>
+            <a:endParaRPr kumimoji="1" lang="ja-JP" altLang="en-US" dirty="0"/>
+          </a:p>
+        </p:txBody>
+      </p:sp>
+      <p:sp>
+        <p:nvSpPr>
+          <p:cNvPr id="4" name="正方形/長方形 3"/>
+          <p:cNvSpPr/>
+          <p:nvPr/>
+        </p:nvSpPr>
+        <p:spPr>
+          <a:xfrm>
+            <a:off x="1465545" y="2582451"/>
+            <a:ext cx="2217107" cy="475989"/>
+          </a:xfrm>
+          <a:prstGeom prst="rect">
+            <a:avLst/>
+          </a:prstGeom>
+        </p:spPr>
+        <p:style>
+          <a:lnRef idx="2">
+            <a:schemeClr val="dk1"/>
+          </a:lnRef>
+          <a:fillRef idx="1">
+            <a:schemeClr val="lt1"/>
+          </a:fillRef>
+          <a:effectRef idx="0">
+            <a:schemeClr val="dk1"/>
+          </a:effectRef>
+          <a:fontRef idx="minor">
+            <a:schemeClr val="dk1"/>
+          </a:fontRef>
+        </p:style>
+        <p:txBody>
+          <a:bodyPr rtlCol="0" anchor="ctr"/>
+          <a:lstStyle/>
+          <a:p>
+            <a:pPr algn="ctr"/>
+            <a:r>
+              <a:rPr kumimoji="1" lang="en-US" altLang="ja-JP" dirty="0" smtClean="0"/>
+              <a:t>[</a:t>
+            </a:r>
+            <a:r>
+              <a:rPr kumimoji="1" lang="en-US" altLang="ja-JP" dirty="0" smtClean="0">
+                <a:solidFill>
+                  <a:srgbClr val="FF0000"/>
+                </a:solidFill>
+              </a:rPr>
+              <a:t>5</a:t>
+            </a:r>
+            <a:r>
+              <a:rPr kumimoji="1" lang="en-US" altLang="ja-JP" dirty="0" smtClean="0"/>
+              <a:t>, </a:t>
+            </a:r>
+            <a:r>
+              <a:rPr kumimoji="1" lang="en-US" altLang="ja-JP" dirty="0" smtClean="0">
+                <a:solidFill>
+                  <a:srgbClr val="FF0000"/>
+                </a:solidFill>
+              </a:rPr>
+              <a:t>1</a:t>
+            </a:r>
+            <a:r>
+              <a:rPr kumimoji="1" lang="en-US" altLang="ja-JP" dirty="0" smtClean="0"/>
+              <a:t>, -100, </a:t>
+            </a:r>
+            <a:r>
+              <a:rPr kumimoji="1" lang="en-US" altLang="ja-JP" dirty="0" smtClean="0">
+                <a:solidFill>
+                  <a:srgbClr val="FF0000"/>
+                </a:solidFill>
+              </a:rPr>
+              <a:t>7</a:t>
+            </a:r>
+            <a:r>
+              <a:rPr kumimoji="1" lang="en-US" altLang="ja-JP" dirty="0" smtClean="0"/>
+              <a:t>]</a:t>
+            </a:r>
+            <a:endParaRPr kumimoji="1" lang="ja-JP" altLang="en-US" dirty="0"/>
+          </a:p>
+        </p:txBody>
+      </p:sp>
+      <p:sp>
+        <p:nvSpPr>
+          <p:cNvPr id="5" name="正方形/長方形 4"/>
+          <p:cNvSpPr/>
+          <p:nvPr/>
+        </p:nvSpPr>
+        <p:spPr>
+          <a:xfrm>
+            <a:off x="4348620" y="1753644"/>
+            <a:ext cx="1212936" cy="475989"/>
+          </a:xfrm>
+          <a:prstGeom prst="rect">
+            <a:avLst/>
+          </a:prstGeom>
+        </p:spPr>
+        <p:style>
+          <a:lnRef idx="2">
+            <a:schemeClr val="dk1"/>
+          </a:lnRef>
+          <a:fillRef idx="1">
+            <a:schemeClr val="lt1"/>
+          </a:fillRef>
+          <a:effectRef idx="0">
+            <a:schemeClr val="dk1"/>
+          </a:effectRef>
+          <a:fontRef idx="minor">
+            <a:schemeClr val="dk1"/>
+          </a:fontRef>
+        </p:style>
+        <p:txBody>
+          <a:bodyPr rtlCol="0" anchor="ctr"/>
+          <a:lstStyle/>
+          <a:p>
+            <a:pPr algn="ctr"/>
+            <a:r>
+              <a:rPr kumimoji="1" lang="en-US" altLang="ja-JP" dirty="0" smtClean="0"/>
+              <a:t>1</a:t>
+            </a:r>
+            <a:endParaRPr kumimoji="1" lang="ja-JP" altLang="en-US" dirty="0"/>
+          </a:p>
+        </p:txBody>
+      </p:sp>
+      <p:sp>
+        <p:nvSpPr>
+          <p:cNvPr id="6" name="テキスト ボックス 5"/>
+          <p:cNvSpPr txBox="1"/>
+          <p:nvPr/>
+        </p:nvSpPr>
+        <p:spPr>
+          <a:xfrm>
+            <a:off x="1177447" y="926926"/>
+            <a:ext cx="5047989" cy="369332"/>
+          </a:xfrm>
+          <a:prstGeom prst="rect">
+            <a:avLst/>
+          </a:prstGeom>
+          <a:noFill/>
+        </p:spPr>
+        <p:txBody>
+          <a:bodyPr wrap="square" rtlCol="0">
+            <a:spAutoFit/>
+          </a:bodyPr>
+          <a:lstStyle/>
+          <a:p>
+            <a:r>
+              <a:rPr kumimoji="1" lang="en-US" altLang="ja-JP" dirty="0" smtClean="0"/>
+              <a:t>               </a:t>
+            </a:r>
+            <a:r>
+              <a:rPr kumimoji="1" lang="ja-JP" altLang="en-US" dirty="0" smtClean="0"/>
+              <a:t>入力                              出力</a:t>
+            </a:r>
+            <a:endParaRPr kumimoji="1" lang="ja-JP" altLang="en-US" dirty="0"/>
+          </a:p>
+        </p:txBody>
+      </p:sp>
+      <p:sp>
+        <p:nvSpPr>
+          <p:cNvPr id="7" name="正方形/長方形 6"/>
+          <p:cNvSpPr/>
+          <p:nvPr/>
+        </p:nvSpPr>
+        <p:spPr>
+          <a:xfrm>
+            <a:off x="4348620" y="2582450"/>
+            <a:ext cx="1212936" cy="475989"/>
+          </a:xfrm>
+          <a:prstGeom prst="rect">
+            <a:avLst/>
+          </a:prstGeom>
+        </p:spPr>
+        <p:style>
+          <a:lnRef idx="2">
+            <a:schemeClr val="dk1"/>
+          </a:lnRef>
+          <a:fillRef idx="1">
+            <a:schemeClr val="lt1"/>
+          </a:fillRef>
+          <a:effectRef idx="0">
+            <a:schemeClr val="dk1"/>
+          </a:effectRef>
+          <a:fontRef idx="minor">
+            <a:schemeClr val="dk1"/>
+          </a:fontRef>
+        </p:style>
+        <p:txBody>
+          <a:bodyPr rtlCol="0" anchor="ctr"/>
+          <a:lstStyle/>
+          <a:p>
+            <a:pPr algn="ctr"/>
+            <a:r>
+              <a:rPr kumimoji="1" lang="en-US" altLang="ja-JP" dirty="0" smtClean="0"/>
+              <a:t>3</a:t>
+            </a:r>
+            <a:endParaRPr kumimoji="1" lang="ja-JP" altLang="en-US" dirty="0"/>
+          </a:p>
+        </p:txBody>
+      </p:sp>
+      <p:sp>
+        <p:nvSpPr>
+          <p:cNvPr id="8" name="正方形/長方形 7"/>
+          <p:cNvSpPr/>
+          <p:nvPr/>
+        </p:nvSpPr>
+        <p:spPr>
+          <a:xfrm>
+            <a:off x="1465544" y="3411258"/>
+            <a:ext cx="2217107" cy="475989"/>
+          </a:xfrm>
+          <a:prstGeom prst="rect">
+            <a:avLst/>
+          </a:prstGeom>
+        </p:spPr>
+        <p:style>
+          <a:lnRef idx="2">
+            <a:schemeClr val="dk1"/>
+          </a:lnRef>
+          <a:fillRef idx="1">
+            <a:schemeClr val="lt1"/>
+          </a:fillRef>
+          <a:effectRef idx="0">
+            <a:schemeClr val="dk1"/>
+          </a:effectRef>
+          <a:fontRef idx="minor">
+            <a:schemeClr val="dk1"/>
+          </a:fontRef>
+        </p:style>
+        <p:txBody>
+          <a:bodyPr rtlCol="0" anchor="ctr"/>
+          <a:lstStyle/>
+          <a:p>
+            <a:pPr algn="ctr"/>
+            <a:r>
+              <a:rPr kumimoji="1" lang="en-US" altLang="ja-JP" dirty="0" smtClean="0"/>
+              <a:t>[</a:t>
+            </a:r>
+            <a:r>
+              <a:rPr kumimoji="1" lang="en-US" altLang="ja-JP" dirty="0" smtClean="0">
+                <a:solidFill>
+                  <a:srgbClr val="FF0000"/>
+                </a:solidFill>
+              </a:rPr>
+              <a:t>52</a:t>
+            </a:r>
+            <a:r>
+              <a:rPr kumimoji="1" lang="en-US" altLang="ja-JP" dirty="0" smtClean="0"/>
+              <a:t>, -7,  </a:t>
+            </a:r>
+            <a:r>
+              <a:rPr kumimoji="1" lang="en-US" altLang="ja-JP" dirty="0" smtClean="0">
+                <a:solidFill>
+                  <a:srgbClr val="FF0000"/>
+                </a:solidFill>
+              </a:rPr>
+              <a:t>14</a:t>
+            </a:r>
+            <a:r>
+              <a:rPr kumimoji="1" lang="en-US" altLang="ja-JP" dirty="0" smtClean="0"/>
+              <a:t>, 0]</a:t>
+            </a:r>
+            <a:endParaRPr kumimoji="1" lang="ja-JP" altLang="en-US" dirty="0"/>
+          </a:p>
+        </p:txBody>
+      </p:sp>
+      <p:sp>
+        <p:nvSpPr>
+          <p:cNvPr id="9" name="正方形/長方形 8"/>
+          <p:cNvSpPr/>
+          <p:nvPr/>
+        </p:nvSpPr>
+        <p:spPr>
+          <a:xfrm>
+            <a:off x="4348620" y="3411258"/>
+            <a:ext cx="1212936" cy="475989"/>
+          </a:xfrm>
+          <a:prstGeom prst="rect">
+            <a:avLst/>
+          </a:prstGeom>
+        </p:spPr>
+        <p:style>
+          <a:lnRef idx="2">
+            <a:schemeClr val="dk1"/>
+          </a:lnRef>
+          <a:fillRef idx="1">
+            <a:schemeClr val="lt1"/>
+          </a:fillRef>
+          <a:effectRef idx="0">
+            <a:schemeClr val="dk1"/>
+          </a:effectRef>
+          <a:fontRef idx="minor">
+            <a:schemeClr val="dk1"/>
+          </a:fontRef>
+        </p:style>
+        <p:txBody>
+          <a:bodyPr rtlCol="0" anchor="ctr"/>
+          <a:lstStyle/>
+          <a:p>
+            <a:pPr algn="ctr"/>
+            <a:r>
+              <a:rPr kumimoji="1" lang="en-US" altLang="ja-JP" dirty="0" smtClean="0"/>
+              <a:t>2</a:t>
+            </a:r>
+            <a:endParaRPr kumimoji="1" lang="ja-JP" altLang="en-US" dirty="0"/>
+          </a:p>
+        </p:txBody>
+      </p:sp>
+      <p:sp>
+        <p:nvSpPr>
+          <p:cNvPr id="10" name="右矢印 9"/>
+          <p:cNvSpPr/>
+          <p:nvPr/>
+        </p:nvSpPr>
+        <p:spPr>
+          <a:xfrm>
+            <a:off x="3715010" y="1753644"/>
+            <a:ext cx="601250" cy="475989"/>
+          </a:xfrm>
+          <a:prstGeom prst="rightArrow">
+            <a:avLst/>
+          </a:prstGeom>
+          <a:solidFill>
+            <a:schemeClr val="bg1"/>
+          </a:solidFill>
+          <a:ln>
+            <a:solidFill>
+              <a:srgbClr val="00B0F0"/>
+            </a:solidFill>
+          </a:ln>
+        </p:spPr>
+        <p:style>
+          <a:lnRef idx="2">
+            <a:schemeClr val="accent1">
+              <a:shade val="50000"/>
+            </a:schemeClr>
+          </a:lnRef>
+          <a:fillRef idx="1">
+            <a:schemeClr val="accent1"/>
+          </a:fillRef>
+          <a:effectRef idx="0">
+            <a:schemeClr val="accent1"/>
+          </a:effectRef>
+          <a:fontRef idx="minor">
+            <a:schemeClr val="lt1"/>
+          </a:fontRef>
+        </p:style>
+        <p:txBody>
+          <a:bodyPr rtlCol="0" anchor="ctr"/>
+          <a:lstStyle/>
+          <a:p>
+            <a:pPr algn="ctr"/>
+            <a:endParaRPr kumimoji="1" lang="ja-JP" altLang="en-US"/>
+          </a:p>
+        </p:txBody>
+      </p:sp>
+      <p:sp>
+        <p:nvSpPr>
+          <p:cNvPr id="11" name="右矢印 10"/>
+          <p:cNvSpPr/>
+          <p:nvPr/>
+        </p:nvSpPr>
+        <p:spPr>
+          <a:xfrm>
+            <a:off x="3715010" y="2582450"/>
+            <a:ext cx="601250" cy="475989"/>
+          </a:xfrm>
+          <a:prstGeom prst="rightArrow">
+            <a:avLst/>
+          </a:prstGeom>
+          <a:solidFill>
+            <a:schemeClr val="bg1"/>
+          </a:solidFill>
+          <a:ln>
+            <a:solidFill>
+              <a:srgbClr val="00B0F0"/>
+            </a:solidFill>
+          </a:ln>
+        </p:spPr>
+        <p:style>
+          <a:lnRef idx="2">
+            <a:schemeClr val="accent1">
+              <a:shade val="50000"/>
+            </a:schemeClr>
+          </a:lnRef>
+          <a:fillRef idx="1">
+            <a:schemeClr val="accent1"/>
+          </a:fillRef>
+          <a:effectRef idx="0">
+            <a:schemeClr val="accent1"/>
+          </a:effectRef>
+          <a:fontRef idx="minor">
+            <a:schemeClr val="lt1"/>
+          </a:fontRef>
+        </p:style>
+        <p:txBody>
+          <a:bodyPr rtlCol="0" anchor="ctr"/>
+          <a:lstStyle/>
+          <a:p>
+            <a:pPr algn="ctr"/>
+            <a:endParaRPr kumimoji="1" lang="ja-JP" altLang="en-US"/>
+          </a:p>
+        </p:txBody>
+      </p:sp>
+      <p:sp>
+        <p:nvSpPr>
+          <p:cNvPr id="12" name="右矢印 11"/>
+          <p:cNvSpPr/>
+          <p:nvPr/>
+        </p:nvSpPr>
+        <p:spPr>
+          <a:xfrm>
+            <a:off x="3715010" y="3411256"/>
+            <a:ext cx="601250" cy="475989"/>
+          </a:xfrm>
+          <a:prstGeom prst="rightArrow">
+            <a:avLst/>
+          </a:prstGeom>
+          <a:solidFill>
+            <a:schemeClr val="bg1"/>
+          </a:solidFill>
+          <a:ln>
+            <a:solidFill>
+              <a:srgbClr val="00B0F0"/>
+            </a:solidFill>
+          </a:ln>
+        </p:spPr>
+        <p:style>
+          <a:lnRef idx="2">
+            <a:schemeClr val="accent1">
+              <a:shade val="50000"/>
+            </a:schemeClr>
+          </a:lnRef>
+          <a:fillRef idx="1">
+            <a:schemeClr val="accent1"/>
+          </a:fillRef>
+          <a:effectRef idx="0">
+            <a:schemeClr val="accent1"/>
+          </a:effectRef>
+          <a:fontRef idx="minor">
+            <a:schemeClr val="lt1"/>
+          </a:fontRef>
+        </p:style>
+        <p:txBody>
+          <a:bodyPr rtlCol="0" anchor="ctr"/>
+          <a:lstStyle/>
+          <a:p>
+            <a:pPr algn="ctr"/>
+            <a:endParaRPr kumimoji="1" lang="ja-JP" altLang="en-US"/>
+          </a:p>
+        </p:txBody>
+      </p:sp>
+    </p:spTree>
+    <p:extLst>
+      <p:ext uri="{BB962C8B-B14F-4D97-AF65-F5344CB8AC3E}">
+        <p14:creationId xmlns:p14="http://schemas.microsoft.com/office/powerpoint/2010/main" val="3889376520"/>
+      </p:ext>
+    </p:extLst>
+  </p:cSld>
+  <p:clrMapOvr>
+    <a:masterClrMapping/>
+  </p:clrMapOvr>
+  <p:timing>
+    <p:tnLst>
+      <p:par>
+        <p:cTn id="1" dur="indefinite" restart="never" nodeType="tmRoot"/>
+      </p:par>
+    </p:tnLst>
+  </p:timing>
+</p:sld>
+</file>
+
+<file path=ppt/slides/slide7.xml><?xml version="1.0" encoding="utf-8"?>
+<p:sld xmlns:a="http://schemas.openxmlformats.org/drawingml/2006/main" xmlns:r="http://schemas.openxmlformats.org/officeDocument/2006/relationships" xmlns:p="http://schemas.openxmlformats.org/presentationml/2006/main">
+  <p:cSld>
+    <p:spTree>
+      <p:nvGrpSpPr>
+        <p:cNvPr id="1" name=""/>
+        <p:cNvGrpSpPr/>
+        <p:nvPr/>
+      </p:nvGrpSpPr>
+      <p:grpSpPr>
+        <a:xfrm>
+          <a:off x="0" y="0"/>
+          <a:ext cx="0" cy="0"/>
+          <a:chOff x="0" y="0"/>
+          <a:chExt cx="0" cy="0"/>
+        </a:xfrm>
+      </p:grpSpPr>
+      <p:sp>
+        <p:nvSpPr>
+          <p:cNvPr id="3" name="正方形/長方形 2"/>
+          <p:cNvSpPr/>
+          <p:nvPr/>
+        </p:nvSpPr>
+        <p:spPr>
+          <a:xfrm>
+            <a:off x="1465545" y="1753644"/>
+            <a:ext cx="2217107" cy="475989"/>
+          </a:xfrm>
+          <a:prstGeom prst="rect">
+            <a:avLst/>
+          </a:prstGeom>
+        </p:spPr>
+        <p:style>
+          <a:lnRef idx="2">
+            <a:schemeClr val="dk1"/>
+          </a:lnRef>
+          <a:fillRef idx="1">
+            <a:schemeClr val="lt1"/>
+          </a:fillRef>
+          <a:effectRef idx="0">
+            <a:schemeClr val="dk1"/>
+          </a:effectRef>
+          <a:fontRef idx="minor">
+            <a:schemeClr val="dk1"/>
+          </a:fontRef>
+        </p:style>
+        <p:txBody>
+          <a:bodyPr rtlCol="0" anchor="ctr"/>
+          <a:lstStyle/>
+          <a:p>
+            <a:pPr algn="ctr"/>
+            <a:r>
+              <a:rPr kumimoji="1" lang="en-US" altLang="ja-JP" dirty="0" smtClean="0"/>
+              <a:t>[</a:t>
+            </a:r>
+            <a:r>
+              <a:rPr kumimoji="1" lang="en-US" altLang="ja-JP" dirty="0" smtClean="0">
+                <a:solidFill>
+                  <a:srgbClr val="FF0000"/>
+                </a:solidFill>
+              </a:rPr>
+              <a:t>19937</a:t>
+            </a:r>
+            <a:r>
+              <a:rPr kumimoji="1" lang="en-US" altLang="ja-JP" dirty="0" smtClean="0"/>
+              <a:t>, 0, 0, </a:t>
+            </a:r>
+            <a:r>
+              <a:rPr kumimoji="1" lang="en-US" altLang="ja-JP" dirty="0" smtClean="0">
+                <a:solidFill>
+                  <a:schemeClr val="tx1"/>
+                </a:solidFill>
+              </a:rPr>
+              <a:t>0</a:t>
+            </a:r>
+            <a:r>
+              <a:rPr kumimoji="1" lang="en-US" altLang="ja-JP" dirty="0" smtClean="0"/>
+              <a:t>]</a:t>
+            </a:r>
+            <a:endParaRPr kumimoji="1" lang="ja-JP" altLang="en-US" dirty="0"/>
+          </a:p>
+        </p:txBody>
+      </p:sp>
+      <p:sp>
+        <p:nvSpPr>
+          <p:cNvPr id="5" name="正方形/長方形 4"/>
+          <p:cNvSpPr/>
+          <p:nvPr/>
+        </p:nvSpPr>
+        <p:spPr>
+          <a:xfrm>
+            <a:off x="4348620" y="1753644"/>
+            <a:ext cx="1212936" cy="475989"/>
+          </a:xfrm>
+          <a:prstGeom prst="rect">
+            <a:avLst/>
+          </a:prstGeom>
+        </p:spPr>
+        <p:style>
+          <a:lnRef idx="2">
+            <a:schemeClr val="dk1"/>
+          </a:lnRef>
+          <a:fillRef idx="1">
+            <a:schemeClr val="lt1"/>
+          </a:fillRef>
+          <a:effectRef idx="0">
+            <a:schemeClr val="dk1"/>
+          </a:effectRef>
+          <a:fontRef idx="minor">
+            <a:schemeClr val="dk1"/>
+          </a:fontRef>
+        </p:style>
+        <p:txBody>
+          <a:bodyPr rtlCol="0" anchor="ctr"/>
+          <a:lstStyle/>
+          <a:p>
+            <a:pPr algn="ctr"/>
+            <a:r>
+              <a:rPr kumimoji="1" lang="en-US" altLang="ja-JP" dirty="0" smtClean="0"/>
+              <a:t>1</a:t>
+            </a:r>
+            <a:endParaRPr kumimoji="1" lang="ja-JP" altLang="en-US" dirty="0"/>
+          </a:p>
+        </p:txBody>
+      </p:sp>
+      <p:sp>
+        <p:nvSpPr>
+          <p:cNvPr id="6" name="テキスト ボックス 5"/>
+          <p:cNvSpPr txBox="1"/>
+          <p:nvPr/>
+        </p:nvSpPr>
+        <p:spPr>
+          <a:xfrm>
+            <a:off x="1177447" y="926926"/>
+            <a:ext cx="5047989" cy="369332"/>
+          </a:xfrm>
+          <a:prstGeom prst="rect">
+            <a:avLst/>
+          </a:prstGeom>
+          <a:noFill/>
+        </p:spPr>
+        <p:txBody>
+          <a:bodyPr wrap="square" rtlCol="0">
+            <a:spAutoFit/>
+          </a:bodyPr>
+          <a:lstStyle/>
+          <a:p>
+            <a:r>
+              <a:rPr kumimoji="1" lang="en-US" altLang="ja-JP" dirty="0" smtClean="0"/>
+              <a:t>               </a:t>
+            </a:r>
+            <a:r>
+              <a:rPr kumimoji="1" lang="ja-JP" altLang="en-US" dirty="0" smtClean="0"/>
+              <a:t>入力                              出力</a:t>
+            </a:r>
+            <a:endParaRPr kumimoji="1" lang="ja-JP" altLang="en-US" dirty="0"/>
+          </a:p>
+        </p:txBody>
+      </p:sp>
+      <p:sp>
+        <p:nvSpPr>
+          <p:cNvPr id="10" name="右矢印 9"/>
+          <p:cNvSpPr/>
+          <p:nvPr/>
+        </p:nvSpPr>
+        <p:spPr>
+          <a:xfrm>
+            <a:off x="3747370" y="1753644"/>
+            <a:ext cx="601250" cy="475989"/>
+          </a:xfrm>
+          <a:prstGeom prst="rightArrow">
+            <a:avLst/>
+          </a:prstGeom>
+          <a:solidFill>
+            <a:schemeClr val="bg1"/>
+          </a:solidFill>
+          <a:ln>
+            <a:solidFill>
+              <a:srgbClr val="00B0F0"/>
+            </a:solidFill>
+          </a:ln>
+        </p:spPr>
+        <p:style>
+          <a:lnRef idx="2">
+            <a:schemeClr val="accent1">
+              <a:shade val="50000"/>
+            </a:schemeClr>
+          </a:lnRef>
+          <a:fillRef idx="1">
+            <a:schemeClr val="accent1"/>
+          </a:fillRef>
+          <a:effectRef idx="0">
+            <a:schemeClr val="accent1"/>
+          </a:effectRef>
+          <a:fontRef idx="minor">
+            <a:schemeClr val="lt1"/>
+          </a:fontRef>
+        </p:style>
+        <p:txBody>
+          <a:bodyPr rtlCol="0" anchor="ctr"/>
+          <a:lstStyle/>
+          <a:p>
+            <a:pPr algn="ctr"/>
+            <a:endParaRPr kumimoji="1" lang="ja-JP" altLang="en-US"/>
+          </a:p>
+        </p:txBody>
+      </p:sp>
+    </p:spTree>
+    <p:extLst>
+      <p:ext uri="{BB962C8B-B14F-4D97-AF65-F5344CB8AC3E}">
+        <p14:creationId xmlns:p14="http://schemas.microsoft.com/office/powerpoint/2010/main" val="2704297867"/>
       </p:ext>
     </p:extLst>
   </p:cSld>
